--- a/Weekly Meetings/HEP_Weekly_6December2019.pptx
+++ b/Weekly Meetings/HEP_Weekly_6December2019.pptx
@@ -209,7 +209,7 @@
           <a:p>
             <a:fld id="{8CD5EADE-870B-3C4D-92F6-FE927CFCE2A1}" type="datetime1">
               <a:rPr lang="en-US" smtClean="0"/>
-              <a:t>12/3/19</a:t>
+              <a:t>12/5/19</a:t>
             </a:fld>
             <a:endParaRPr lang="en-GB"/>
           </a:p>
@@ -415,7 +415,7 @@
           <a:p>
             <a:fld id="{4A3A8317-869C-EC49-8CB2-3286EE886873}" type="datetime1">
               <a:rPr lang="en-US" smtClean="0"/>
-              <a:t>12/3/19</a:t>
+              <a:t>12/5/19</a:t>
             </a:fld>
             <a:endParaRPr lang="en-GB"/>
           </a:p>
@@ -749,7 +749,7 @@
           <a:p>
             <a:fld id="{B49D5E6A-E658-F947-B519-3BD764463DDB}" type="datetime1">
               <a:rPr lang="en-US" smtClean="0"/>
-              <a:t>12/3/19</a:t>
+              <a:t>12/5/19</a:t>
             </a:fld>
             <a:endParaRPr lang="en-GB"/>
           </a:p>
@@ -1017,7 +1017,7 @@
           <a:p>
             <a:fld id="{3FD6B7D5-59BD-A94A-8259-AFB77C1C6F6C}" type="datetime1">
               <a:rPr lang="en-US" smtClean="0"/>
-              <a:t>12/3/19</a:t>
+              <a:t>12/5/19</a:t>
             </a:fld>
             <a:endParaRPr lang="en-US" dirty="0"/>
           </a:p>
@@ -1224,7 +1224,7 @@
           <a:p>
             <a:fld id="{22747042-83B4-2D44-B16D-692521656AEA}" type="datetime1">
               <a:rPr lang="en-US" smtClean="0"/>
-              <a:t>12/3/19</a:t>
+              <a:t>12/5/19</a:t>
             </a:fld>
             <a:endParaRPr lang="en-US" dirty="0"/>
           </a:p>
@@ -1479,7 +1479,7 @@
           <a:p>
             <a:fld id="{123C6174-D222-ED47-AF35-85B52783FDE1}" type="datetime1">
               <a:rPr lang="en-US" smtClean="0"/>
-              <a:t>12/3/19</a:t>
+              <a:t>12/5/19</a:t>
             </a:fld>
             <a:endParaRPr lang="en-US" dirty="0"/>
           </a:p>
@@ -1670,7 +1670,7 @@
           <a:p>
             <a:fld id="{92BB3830-AA68-4343-953F-F849943EB849}" type="datetime1">
               <a:rPr lang="en-US" smtClean="0"/>
-              <a:t>12/3/19</a:t>
+              <a:t>12/5/19</a:t>
             </a:fld>
             <a:endParaRPr lang="en-GB"/>
           </a:p>
@@ -1844,7 +1844,7 @@
           <a:p>
             <a:fld id="{13F0FE4D-A637-F644-BCB7-BB01E9473082}" type="datetime1">
               <a:rPr lang="en-US" smtClean="0"/>
-              <a:t>12/3/19</a:t>
+              <a:t>12/5/19</a:t>
             </a:fld>
             <a:endParaRPr lang="en-GB"/>
           </a:p>
@@ -2094,7 +2094,7 @@
           <a:p>
             <a:fld id="{7916914C-F633-3B4D-8E7C-AF9878FBCAB2}" type="datetime1">
               <a:rPr lang="en-US" smtClean="0"/>
-              <a:t>12/3/19</a:t>
+              <a:t>12/5/19</a:t>
             </a:fld>
             <a:endParaRPr lang="en-GB"/>
           </a:p>
@@ -2330,7 +2330,7 @@
           <a:p>
             <a:fld id="{1BEE493E-6ECC-2D49-AA37-47715FC69928}" type="datetime1">
               <a:rPr lang="en-US" smtClean="0"/>
-              <a:t>12/3/19</a:t>
+              <a:t>12/5/19</a:t>
             </a:fld>
             <a:endParaRPr lang="en-GB"/>
           </a:p>
@@ -2701,7 +2701,7 @@
           <a:p>
             <a:fld id="{44D2375D-BCDA-CD42-A7D1-F6C0DA2CE615}" type="datetime1">
               <a:rPr lang="en-US" smtClean="0"/>
-              <a:t>12/3/19</a:t>
+              <a:t>12/5/19</a:t>
             </a:fld>
             <a:endParaRPr lang="en-GB"/>
           </a:p>
@@ -2823,7 +2823,7 @@
           <a:p>
             <a:fld id="{DF706FF0-E883-3242-B340-EF59CDD02701}" type="datetime1">
               <a:rPr lang="en-US" smtClean="0"/>
-              <a:t>12/3/19</a:t>
+              <a:t>12/5/19</a:t>
             </a:fld>
             <a:endParaRPr lang="en-GB"/>
           </a:p>
@@ -2922,7 +2922,7 @@
           <a:p>
             <a:fld id="{A72B1547-4678-7444-8B0B-D61236993AA6}" type="datetime1">
               <a:rPr lang="en-US" smtClean="0"/>
-              <a:t>12/3/19</a:t>
+              <a:t>12/5/19</a:t>
             </a:fld>
             <a:endParaRPr lang="en-GB"/>
           </a:p>
@@ -3203,7 +3203,7 @@
           <a:p>
             <a:fld id="{F5C0FF04-D16D-9545-B9FE-2A2509161914}" type="datetime1">
               <a:rPr lang="en-US" smtClean="0"/>
-              <a:t>12/3/19</a:t>
+              <a:t>12/5/19</a:t>
             </a:fld>
             <a:endParaRPr lang="en-GB"/>
           </a:p>
@@ -3359,7 +3359,7 @@
           <a:p>
             <a:fld id="{739BCA09-01A4-7D40-97AF-A677405590ED}" type="datetime1">
               <a:rPr lang="en-US" smtClean="0"/>
-              <a:t>12/3/19</a:t>
+              <a:t>12/5/19</a:t>
             </a:fld>
             <a:endParaRPr lang="en-US" dirty="0"/>
           </a:p>
@@ -3640,7 +3640,7 @@
           <a:p>
             <a:fld id="{95430EDC-66BF-5B4F-9F6B-EF430B2635C2}" type="datetime1">
               <a:rPr lang="en-US" smtClean="0"/>
-              <a:t>12/3/19</a:t>
+              <a:t>12/5/19</a:t>
             </a:fld>
             <a:endParaRPr lang="en-GB"/>
           </a:p>
@@ -3814,7 +3814,7 @@
           <a:p>
             <a:fld id="{C40C6D0C-61E5-A14E-AA64-932059ABBCA0}" type="datetime1">
               <a:rPr lang="en-US" smtClean="0"/>
-              <a:t>12/3/19</a:t>
+              <a:t>12/5/19</a:t>
             </a:fld>
             <a:endParaRPr lang="en-GB"/>
           </a:p>
@@ -3998,7 +3998,7 @@
           <a:p>
             <a:fld id="{686993B2-94FA-8143-ACBD-1339E5A7C63D}" type="datetime1">
               <a:rPr lang="en-US" smtClean="0"/>
-              <a:t>12/3/19</a:t>
+              <a:t>12/5/19</a:t>
             </a:fld>
             <a:endParaRPr lang="en-GB"/>
           </a:p>
@@ -4345,7 +4345,7 @@
           <a:p>
             <a:fld id="{887F3A82-5004-DE46-9B8F-C8D1AE47BCDD}" type="datetime1">
               <a:rPr lang="en-US" smtClean="0"/>
-              <a:t>12/3/19</a:t>
+              <a:t>12/5/19</a:t>
             </a:fld>
             <a:endParaRPr lang="en-US" dirty="0"/>
           </a:p>
@@ -4619,7 +4619,7 @@
           <a:p>
             <a:fld id="{9609816B-101F-E649-A6DB-1B34F62305FD}" type="datetime1">
               <a:rPr lang="en-US" smtClean="0"/>
-              <a:t>12/3/19</a:t>
+              <a:t>12/5/19</a:t>
             </a:fld>
             <a:endParaRPr lang="en-US" dirty="0"/>
           </a:p>
@@ -4997,7 +4997,7 @@
           <a:p>
             <a:fld id="{B4B9C9C3-E10A-4046-99D1-D14A01669CB5}" type="datetime1">
               <a:rPr lang="en-US" smtClean="0"/>
-              <a:t>12/3/19</a:t>
+              <a:t>12/5/19</a:t>
             </a:fld>
             <a:endParaRPr lang="en-US" dirty="0"/>
           </a:p>
@@ -5114,7 +5114,7 @@
           <a:p>
             <a:fld id="{B20DF165-EA06-4348-9825-CC0EB7B994A5}" type="datetime1">
               <a:rPr lang="en-US" smtClean="0"/>
-              <a:t>12/3/19</a:t>
+              <a:t>12/5/19</a:t>
             </a:fld>
             <a:endParaRPr lang="en-US" dirty="0"/>
           </a:p>
@@ -5284,7 +5284,7 @@
           <a:p>
             <a:fld id="{BC939BB5-C2A2-354E-94F1-11C8ABC84871}" type="datetime1">
               <a:rPr lang="en-US" smtClean="0"/>
-              <a:t>12/3/19</a:t>
+              <a:t>12/5/19</a:t>
             </a:fld>
             <a:endParaRPr lang="en-US" dirty="0"/>
           </a:p>
@@ -5668,7 +5668,7 @@
           <a:p>
             <a:fld id="{6BC13A68-213D-F04B-9D09-F80EB8CDDAAA}" type="datetime1">
               <a:rPr lang="en-US" smtClean="0"/>
-              <a:t>12/3/19</a:t>
+              <a:t>12/5/19</a:t>
             </a:fld>
             <a:endParaRPr lang="en-US" dirty="0"/>
           </a:p>
@@ -6050,7 +6050,7 @@
           <a:p>
             <a:fld id="{3C9CB665-2448-6244-98A5-6DB781AF1920}" type="datetime1">
               <a:rPr lang="en-US" smtClean="0"/>
-              <a:t>12/3/19</a:t>
+              <a:t>12/5/19</a:t>
             </a:fld>
             <a:endParaRPr lang="en-US" dirty="0"/>
           </a:p>
@@ -6336,7 +6336,7 @@
           <a:p>
             <a:fld id="{0675E229-76FC-AB46-B5B7-99D6369AD45B}" type="datetime1">
               <a:rPr lang="en-US" smtClean="0"/>
-              <a:t>12/3/19</a:t>
+              <a:t>12/5/19</a:t>
             </a:fld>
             <a:endParaRPr lang="en-US" dirty="0"/>
           </a:p>
@@ -7026,7 +7026,7 @@
           <a:p>
             <a:fld id="{69C84D11-6659-6A4A-919D-F211F249C3CD}" type="datetime1">
               <a:rPr lang="en-US" smtClean="0"/>
-              <a:t>12/3/19</a:t>
+              <a:t>12/5/19</a:t>
             </a:fld>
             <a:endParaRPr lang="en-GB"/>
           </a:p>
@@ -7665,8 +7665,8 @@
           </a:p>
         </p:txBody>
       </p:sp>
-      <mc:AlternateContent xmlns:mc="http://schemas.openxmlformats.org/markup-compatibility/2006">
-        <mc:Choice xmlns:a14="http://schemas.microsoft.com/office/drawing/2010/main" Requires="a14">
+      <mc:AlternateContent xmlns:mc="http://schemas.openxmlformats.org/markup-compatibility/2006" xmlns:a14="http://schemas.microsoft.com/office/drawing/2010/main">
+        <mc:Choice Requires="a14">
           <p:sp>
             <p:nvSpPr>
               <p:cNvPr id="14" name="TextBox 13"/>
@@ -8098,7 +8098,7 @@
             </p:txBody>
           </p:sp>
         </mc:Choice>
-        <mc:Fallback>
+        <mc:Fallback xmlns="">
           <p:sp>
             <p:nvSpPr>
               <p:cNvPr id="14" name="TextBox 13"/>
@@ -10341,7 +10341,7 @@
           <a:p>
             <a:fld id="{A495A033-A54B-4F41-92C4-F7053274BB0C}" type="datetime1">
               <a:rPr lang="en-US" smtClean="0"/>
-              <a:t>12/3/19</a:t>
+              <a:t>12/5/19</a:t>
             </a:fld>
             <a:endParaRPr lang="en-US" dirty="0"/>
           </a:p>
@@ -10697,7 +10697,7 @@
           <a:p>
             <a:fld id="{863596AC-079A-914A-A4AA-F10BF720D55E}" type="datetime1">
               <a:rPr lang="en-US" smtClean="0"/>
-              <a:t>12/3/19</a:t>
+              <a:t>12/5/19</a:t>
             </a:fld>
             <a:endParaRPr lang="en-US" dirty="0"/>
           </a:p>
@@ -11303,7 +11303,7 @@
           <a:p>
             <a:fld id="{863596AC-079A-914A-A4AA-F10BF720D55E}" type="datetime1">
               <a:rPr lang="en-US" smtClean="0"/>
-              <a:t>12/3/19</a:t>
+              <a:t>12/5/19</a:t>
             </a:fld>
             <a:endParaRPr lang="en-US" dirty="0"/>
           </a:p>
@@ -13012,14 +13012,14 @@
           <a:p>
             <a:fld id="{863596AC-079A-914A-A4AA-F10BF720D55E}" type="datetime1">
               <a:rPr lang="en-US" smtClean="0"/>
-              <a:t>12/3/19</a:t>
+              <a:t>12/5/19</a:t>
             </a:fld>
             <a:endParaRPr lang="en-US" dirty="0"/>
           </a:p>
         </p:txBody>
       </p:sp>
-      <mc:AlternateContent xmlns:mc="http://schemas.openxmlformats.org/markup-compatibility/2006">
-        <mc:Choice xmlns:a14="http://schemas.microsoft.com/office/drawing/2010/main" Requires="a14">
+      <mc:AlternateContent xmlns:mc="http://schemas.openxmlformats.org/markup-compatibility/2006" xmlns:a14="http://schemas.microsoft.com/office/drawing/2010/main">
+        <mc:Choice Requires="a14">
           <p:sp>
             <p:nvSpPr>
               <p:cNvPr id="3" name="TextBox 2">
@@ -13074,6 +13074,7 @@
                 </a:r>
               </a:p>
               <a:p>
+                <a:pPr/>
                 <a14:m>
                   <m:oMathPara xmlns:m="http://schemas.openxmlformats.org/officeDocument/2006/math">
                     <m:oMathParaPr>
@@ -13428,6 +13429,7 @@
                 <a:endParaRPr lang="en-US" dirty="0"/>
               </a:p>
               <a:p>
+                <a:pPr/>
                 <a14:m>
                   <m:oMathPara xmlns:m="http://schemas.openxmlformats.org/officeDocument/2006/math">
                     <m:oMathParaPr>
@@ -13500,13 +13502,7 @@
                         <a:rPr lang="en-US" i="1">
                           <a:latin typeface="Cambria Math" panose="02040503050406030204" pitchFamily="18" charset="0"/>
                         </a:rPr>
-                        <m:t> </m:t>
-                      </m:r>
-                      <m:r>
-                        <a:rPr lang="en-US" i="1">
-                          <a:latin typeface="Cambria Math" panose="02040503050406030204" pitchFamily="18" charset="0"/>
-                        </a:rPr>
-                        <m:t>= </m:t>
+                        <m:t> = </m:t>
                       </m:r>
                       <m:f>
                         <m:fPr>
@@ -13731,7 +13727,7 @@
             </p:txBody>
           </p:sp>
         </mc:Choice>
-        <mc:Fallback>
+        <mc:Fallback xmlns="">
           <p:sp>
             <p:nvSpPr>
               <p:cNvPr id="3" name="TextBox 2">
@@ -14351,8 +14347,8 @@
         </p:nvSpPr>
         <p:spPr>
           <a:xfrm>
-            <a:off x="7836088" y="1746114"/>
-            <a:ext cx="1844722" cy="1330657"/>
+            <a:off x="7836088" y="1746115"/>
+            <a:ext cx="1844722" cy="1259024"/>
           </a:xfrm>
           <a:prstGeom prst="rect">
             <a:avLst/>
@@ -14695,8 +14691,8 @@
           </a:fontRef>
         </p:style>
       </p:cxnSp>
-      <mc:AlternateContent xmlns:mc="http://schemas.openxmlformats.org/markup-compatibility/2006">
-        <mc:Choice xmlns:a14="http://schemas.microsoft.com/office/drawing/2010/main" Requires="a14">
+      <mc:AlternateContent xmlns:mc="http://schemas.openxmlformats.org/markup-compatibility/2006" xmlns:a14="http://schemas.microsoft.com/office/drawing/2010/main">
+        <mc:Choice Requires="a14">
           <p:sp>
             <p:nvSpPr>
               <p:cNvPr id="52" name="TextBox 51">
@@ -14725,6 +14721,7 @@
               </a:bodyPr>
               <a:lstStyle/>
               <a:p>
+                <a:pPr/>
                 <a14:m>
                   <m:oMathPara xmlns:m="http://schemas.openxmlformats.org/officeDocument/2006/math">
                     <m:oMathParaPr>
@@ -14887,7 +14884,7 @@
             </p:txBody>
           </p:sp>
         </mc:Choice>
-        <mc:Fallback>
+        <mc:Fallback xmlns="">
           <p:sp>
             <p:nvSpPr>
               <p:cNvPr id="52" name="TextBox 51">
@@ -15445,7 +15442,7 @@
           <a:p>
             <a:fld id="{863596AC-079A-914A-A4AA-F10BF720D55E}" type="datetime1">
               <a:rPr lang="en-US" smtClean="0"/>
-              <a:t>12/3/19</a:t>
+              <a:t>12/5/19</a:t>
             </a:fld>
             <a:endParaRPr lang="en-US" dirty="0"/>
           </a:p>

--- a/Weekly Meetings/HEP_Weekly_6December2019.pptx
+++ b/Weekly Meetings/HEP_Weekly_6December2019.pptx
@@ -6,18 +6,22 @@
     <p:sldMasterId id="2147483661" r:id="rId2"/>
   </p:sldMasterIdLst>
   <p:notesMasterIdLst>
-    <p:notesMasterId r:id="rId9"/>
+    <p:notesMasterId r:id="rId13"/>
   </p:notesMasterIdLst>
   <p:handoutMasterIdLst>
-    <p:handoutMasterId r:id="rId10"/>
+    <p:handoutMasterId r:id="rId14"/>
   </p:handoutMasterIdLst>
   <p:sldIdLst>
     <p:sldId id="256" r:id="rId3"/>
     <p:sldId id="500" r:id="rId4"/>
-    <p:sldId id="507" r:id="rId5"/>
-    <p:sldId id="503" r:id="rId6"/>
-    <p:sldId id="510" r:id="rId7"/>
-    <p:sldId id="509" r:id="rId8"/>
+    <p:sldId id="512" r:id="rId5"/>
+    <p:sldId id="507" r:id="rId6"/>
+    <p:sldId id="503" r:id="rId7"/>
+    <p:sldId id="510" r:id="rId8"/>
+    <p:sldId id="509" r:id="rId9"/>
+    <p:sldId id="511" r:id="rId10"/>
+    <p:sldId id="513" r:id="rId11"/>
+    <p:sldId id="514" r:id="rId12"/>
   </p:sldIdLst>
   <p:sldSz cx="12192000" cy="6858000"/>
   <p:notesSz cx="6858000" cy="9144000"/>
@@ -209,7 +213,7 @@
           <a:p>
             <a:fld id="{8CD5EADE-870B-3C4D-92F6-FE927CFCE2A1}" type="datetime1">
               <a:rPr lang="en-US" smtClean="0"/>
-              <a:t>12/5/19</a:t>
+              <a:t>12/6/19</a:t>
             </a:fld>
             <a:endParaRPr lang="en-GB"/>
           </a:p>
@@ -415,7 +419,7 @@
           <a:p>
             <a:fld id="{4A3A8317-869C-EC49-8CB2-3286EE886873}" type="datetime1">
               <a:rPr lang="en-US" smtClean="0"/>
-              <a:t>12/5/19</a:t>
+              <a:t>12/6/19</a:t>
             </a:fld>
             <a:endParaRPr lang="en-GB"/>
           </a:p>
@@ -749,7 +753,7 @@
           <a:p>
             <a:fld id="{B49D5E6A-E658-F947-B519-3BD764463DDB}" type="datetime1">
               <a:rPr lang="en-US" smtClean="0"/>
-              <a:t>12/5/19</a:t>
+              <a:t>12/6/19</a:t>
             </a:fld>
             <a:endParaRPr lang="en-GB"/>
           </a:p>
@@ -1017,7 +1021,7 @@
           <a:p>
             <a:fld id="{3FD6B7D5-59BD-A94A-8259-AFB77C1C6F6C}" type="datetime1">
               <a:rPr lang="en-US" smtClean="0"/>
-              <a:t>12/5/19</a:t>
+              <a:t>12/6/19</a:t>
             </a:fld>
             <a:endParaRPr lang="en-US" dirty="0"/>
           </a:p>
@@ -1224,7 +1228,7 @@
           <a:p>
             <a:fld id="{22747042-83B4-2D44-B16D-692521656AEA}" type="datetime1">
               <a:rPr lang="en-US" smtClean="0"/>
-              <a:t>12/5/19</a:t>
+              <a:t>12/6/19</a:t>
             </a:fld>
             <a:endParaRPr lang="en-US" dirty="0"/>
           </a:p>
@@ -1479,7 +1483,7 @@
           <a:p>
             <a:fld id="{123C6174-D222-ED47-AF35-85B52783FDE1}" type="datetime1">
               <a:rPr lang="en-US" smtClean="0"/>
-              <a:t>12/5/19</a:t>
+              <a:t>12/6/19</a:t>
             </a:fld>
             <a:endParaRPr lang="en-US" dirty="0"/>
           </a:p>
@@ -1670,7 +1674,7 @@
           <a:p>
             <a:fld id="{92BB3830-AA68-4343-953F-F849943EB849}" type="datetime1">
               <a:rPr lang="en-US" smtClean="0"/>
-              <a:t>12/5/19</a:t>
+              <a:t>12/6/19</a:t>
             </a:fld>
             <a:endParaRPr lang="en-GB"/>
           </a:p>
@@ -1844,7 +1848,7 @@
           <a:p>
             <a:fld id="{13F0FE4D-A637-F644-BCB7-BB01E9473082}" type="datetime1">
               <a:rPr lang="en-US" smtClean="0"/>
-              <a:t>12/5/19</a:t>
+              <a:t>12/6/19</a:t>
             </a:fld>
             <a:endParaRPr lang="en-GB"/>
           </a:p>
@@ -2094,7 +2098,7 @@
           <a:p>
             <a:fld id="{7916914C-F633-3B4D-8E7C-AF9878FBCAB2}" type="datetime1">
               <a:rPr lang="en-US" smtClean="0"/>
-              <a:t>12/5/19</a:t>
+              <a:t>12/6/19</a:t>
             </a:fld>
             <a:endParaRPr lang="en-GB"/>
           </a:p>
@@ -2330,7 +2334,7 @@
           <a:p>
             <a:fld id="{1BEE493E-6ECC-2D49-AA37-47715FC69928}" type="datetime1">
               <a:rPr lang="en-US" smtClean="0"/>
-              <a:t>12/5/19</a:t>
+              <a:t>12/6/19</a:t>
             </a:fld>
             <a:endParaRPr lang="en-GB"/>
           </a:p>
@@ -2701,7 +2705,7 @@
           <a:p>
             <a:fld id="{44D2375D-BCDA-CD42-A7D1-F6C0DA2CE615}" type="datetime1">
               <a:rPr lang="en-US" smtClean="0"/>
-              <a:t>12/5/19</a:t>
+              <a:t>12/6/19</a:t>
             </a:fld>
             <a:endParaRPr lang="en-GB"/>
           </a:p>
@@ -2823,7 +2827,7 @@
           <a:p>
             <a:fld id="{DF706FF0-E883-3242-B340-EF59CDD02701}" type="datetime1">
               <a:rPr lang="en-US" smtClean="0"/>
-              <a:t>12/5/19</a:t>
+              <a:t>12/6/19</a:t>
             </a:fld>
             <a:endParaRPr lang="en-GB"/>
           </a:p>
@@ -2922,7 +2926,7 @@
           <a:p>
             <a:fld id="{A72B1547-4678-7444-8B0B-D61236993AA6}" type="datetime1">
               <a:rPr lang="en-US" smtClean="0"/>
-              <a:t>12/5/19</a:t>
+              <a:t>12/6/19</a:t>
             </a:fld>
             <a:endParaRPr lang="en-GB"/>
           </a:p>
@@ -3203,7 +3207,7 @@
           <a:p>
             <a:fld id="{F5C0FF04-D16D-9545-B9FE-2A2509161914}" type="datetime1">
               <a:rPr lang="en-US" smtClean="0"/>
-              <a:t>12/5/19</a:t>
+              <a:t>12/6/19</a:t>
             </a:fld>
             <a:endParaRPr lang="en-GB"/>
           </a:p>
@@ -3359,7 +3363,7 @@
           <a:p>
             <a:fld id="{739BCA09-01A4-7D40-97AF-A677405590ED}" type="datetime1">
               <a:rPr lang="en-US" smtClean="0"/>
-              <a:t>12/5/19</a:t>
+              <a:t>12/6/19</a:t>
             </a:fld>
             <a:endParaRPr lang="en-US" dirty="0"/>
           </a:p>
@@ -3640,7 +3644,7 @@
           <a:p>
             <a:fld id="{95430EDC-66BF-5B4F-9F6B-EF430B2635C2}" type="datetime1">
               <a:rPr lang="en-US" smtClean="0"/>
-              <a:t>12/5/19</a:t>
+              <a:t>12/6/19</a:t>
             </a:fld>
             <a:endParaRPr lang="en-GB"/>
           </a:p>
@@ -3814,7 +3818,7 @@
           <a:p>
             <a:fld id="{C40C6D0C-61E5-A14E-AA64-932059ABBCA0}" type="datetime1">
               <a:rPr lang="en-US" smtClean="0"/>
-              <a:t>12/5/19</a:t>
+              <a:t>12/6/19</a:t>
             </a:fld>
             <a:endParaRPr lang="en-GB"/>
           </a:p>
@@ -3998,7 +4002,7 @@
           <a:p>
             <a:fld id="{686993B2-94FA-8143-ACBD-1339E5A7C63D}" type="datetime1">
               <a:rPr lang="en-US" smtClean="0"/>
-              <a:t>12/5/19</a:t>
+              <a:t>12/6/19</a:t>
             </a:fld>
             <a:endParaRPr lang="en-GB"/>
           </a:p>
@@ -4345,7 +4349,7 @@
           <a:p>
             <a:fld id="{887F3A82-5004-DE46-9B8F-C8D1AE47BCDD}" type="datetime1">
               <a:rPr lang="en-US" smtClean="0"/>
-              <a:t>12/5/19</a:t>
+              <a:t>12/6/19</a:t>
             </a:fld>
             <a:endParaRPr lang="en-US" dirty="0"/>
           </a:p>
@@ -4619,7 +4623,7 @@
           <a:p>
             <a:fld id="{9609816B-101F-E649-A6DB-1B34F62305FD}" type="datetime1">
               <a:rPr lang="en-US" smtClean="0"/>
-              <a:t>12/5/19</a:t>
+              <a:t>12/6/19</a:t>
             </a:fld>
             <a:endParaRPr lang="en-US" dirty="0"/>
           </a:p>
@@ -4997,7 +5001,7 @@
           <a:p>
             <a:fld id="{B4B9C9C3-E10A-4046-99D1-D14A01669CB5}" type="datetime1">
               <a:rPr lang="en-US" smtClean="0"/>
-              <a:t>12/5/19</a:t>
+              <a:t>12/6/19</a:t>
             </a:fld>
             <a:endParaRPr lang="en-US" dirty="0"/>
           </a:p>
@@ -5114,7 +5118,7 @@
           <a:p>
             <a:fld id="{B20DF165-EA06-4348-9825-CC0EB7B994A5}" type="datetime1">
               <a:rPr lang="en-US" smtClean="0"/>
-              <a:t>12/5/19</a:t>
+              <a:t>12/6/19</a:t>
             </a:fld>
             <a:endParaRPr lang="en-US" dirty="0"/>
           </a:p>
@@ -5284,7 +5288,7 @@
           <a:p>
             <a:fld id="{BC939BB5-C2A2-354E-94F1-11C8ABC84871}" type="datetime1">
               <a:rPr lang="en-US" smtClean="0"/>
-              <a:t>12/5/19</a:t>
+              <a:t>12/6/19</a:t>
             </a:fld>
             <a:endParaRPr lang="en-US" dirty="0"/>
           </a:p>
@@ -5668,7 +5672,7 @@
           <a:p>
             <a:fld id="{6BC13A68-213D-F04B-9D09-F80EB8CDDAAA}" type="datetime1">
               <a:rPr lang="en-US" smtClean="0"/>
-              <a:t>12/5/19</a:t>
+              <a:t>12/6/19</a:t>
             </a:fld>
             <a:endParaRPr lang="en-US" dirty="0"/>
           </a:p>
@@ -6050,7 +6054,7 @@
           <a:p>
             <a:fld id="{3C9CB665-2448-6244-98A5-6DB781AF1920}" type="datetime1">
               <a:rPr lang="en-US" smtClean="0"/>
-              <a:t>12/5/19</a:t>
+              <a:t>12/6/19</a:t>
             </a:fld>
             <a:endParaRPr lang="en-US" dirty="0"/>
           </a:p>
@@ -6336,7 +6340,7 @@
           <a:p>
             <a:fld id="{0675E229-76FC-AB46-B5B7-99D6369AD45B}" type="datetime1">
               <a:rPr lang="en-US" smtClean="0"/>
-              <a:t>12/5/19</a:t>
+              <a:t>12/6/19</a:t>
             </a:fld>
             <a:endParaRPr lang="en-US" dirty="0"/>
           </a:p>
@@ -7026,7 +7030,7 @@
           <a:p>
             <a:fld id="{69C84D11-6659-6A4A-919D-F211F249C3CD}" type="datetime1">
               <a:rPr lang="en-US" smtClean="0"/>
-              <a:t>12/5/19</a:t>
+              <a:t>12/6/19</a:t>
             </a:fld>
             <a:endParaRPr lang="en-GB"/>
           </a:p>
@@ -7592,7 +7596,1076 @@
 </p:sld>
 </file>
 
+<file path=ppt/slides/slide10.xml><?xml version="1.0" encoding="utf-8"?>
+<p:sld xmlns:a="http://schemas.openxmlformats.org/drawingml/2006/main" xmlns:r="http://schemas.openxmlformats.org/officeDocument/2006/relationships" xmlns:p="http://schemas.openxmlformats.org/presentationml/2006/main">
+  <p:cSld>
+    <p:spTree>
+      <p:nvGrpSpPr>
+        <p:cNvPr id="1" name=""/>
+        <p:cNvGrpSpPr/>
+        <p:nvPr/>
+      </p:nvGrpSpPr>
+      <p:grpSpPr>
+        <a:xfrm>
+          <a:off x="0" y="0"/>
+          <a:ext cx="0" cy="0"/>
+          <a:chOff x="0" y="0"/>
+          <a:chExt cx="0" cy="0"/>
+        </a:xfrm>
+      </p:grpSpPr>
+      <p:sp>
+        <p:nvSpPr>
+          <p:cNvPr id="11" name="Footer Placeholder 7">
+            <a:extLst>
+              <a:ext uri="{FF2B5EF4-FFF2-40B4-BE49-F238E27FC236}">
+                <a16:creationId xmlns:a16="http://schemas.microsoft.com/office/drawing/2014/main" id="{59E26047-BD3C-504E-B955-20FE5C8AA1AA}"/>
+              </a:ext>
+            </a:extLst>
+          </p:cNvPr>
+          <p:cNvSpPr>
+            <a:spLocks noGrp="1"/>
+          </p:cNvSpPr>
+          <p:nvPr>
+            <p:ph type="ftr" sz="quarter" idx="11"/>
+          </p:nvPr>
+        </p:nvSpPr>
+        <p:spPr>
+          <a:xfrm>
+            <a:off x="3686185" y="6459785"/>
+            <a:ext cx="4822804" cy="365125"/>
+          </a:xfrm>
+        </p:spPr>
+        <p:txBody>
+          <a:bodyPr/>
+          <a:lstStyle/>
+          <a:p>
+            <a:r>
+              <a:rPr lang="fi-FI"/>
+              <a:t>NTUA G. Bakas</a:t>
+            </a:r>
+            <a:endParaRPr lang="en-US" dirty="0"/>
+          </a:p>
+        </p:txBody>
+      </p:sp>
+      <p:sp>
+        <p:nvSpPr>
+          <p:cNvPr id="12" name="Title 4">
+            <a:extLst>
+              <a:ext uri="{FF2B5EF4-FFF2-40B4-BE49-F238E27FC236}">
+                <a16:creationId xmlns:a16="http://schemas.microsoft.com/office/drawing/2014/main" id="{CCE472BB-DFA4-B349-8F30-2673C528FF7C}"/>
+              </a:ext>
+            </a:extLst>
+          </p:cNvPr>
+          <p:cNvSpPr txBox="1">
+            <a:spLocks/>
+          </p:cNvSpPr>
+          <p:nvPr/>
+        </p:nvSpPr>
+        <p:spPr>
+          <a:xfrm>
+            <a:off x="0" y="72102"/>
+            <a:ext cx="10520413" cy="512916"/>
+          </a:xfrm>
+          <a:prstGeom prst="rect">
+            <a:avLst/>
+          </a:prstGeom>
+        </p:spPr>
+        <p:txBody>
+          <a:bodyPr vert="horz" lIns="91440" tIns="45720" rIns="91440" bIns="45720" rtlCol="0" anchor="b">
+            <a:noAutofit/>
+          </a:bodyPr>
+          <a:lstStyle>
+            <a:lvl1pPr algn="l" defTabSz="914400" rtl="0" eaLnBrk="1" latinLnBrk="0" hangingPunct="1">
+              <a:lnSpc>
+                <a:spcPct val="85000"/>
+              </a:lnSpc>
+              <a:spcBef>
+                <a:spcPct val="0"/>
+              </a:spcBef>
+              <a:buNone/>
+              <a:defRPr sz="4800" kern="1200" spc="-50" baseline="0">
+                <a:solidFill>
+                  <a:schemeClr val="tx1">
+                    <a:lumMod val="75000"/>
+                    <a:lumOff val="25000"/>
+                  </a:schemeClr>
+                </a:solidFill>
+                <a:latin typeface="+mj-lt"/>
+                <a:ea typeface="+mj-ea"/>
+                <a:cs typeface="+mj-cs"/>
+              </a:defRPr>
+            </a:lvl1pPr>
+          </a:lstStyle>
+          <a:p>
+            <a:r>
+              <a:rPr lang="en-GB" sz="2800" u="sng" dirty="0"/>
+              <a:t>Response Matrices Particle (Unequal Binning, jetPt0)</a:t>
+            </a:r>
+          </a:p>
+        </p:txBody>
+      </p:sp>
+      <p:sp>
+        <p:nvSpPr>
+          <p:cNvPr id="24" name="TextBox 23">
+            <a:extLst>
+              <a:ext uri="{FF2B5EF4-FFF2-40B4-BE49-F238E27FC236}">
+                <a16:creationId xmlns:a16="http://schemas.microsoft.com/office/drawing/2014/main" id="{6467259F-D55B-834E-9B9E-F410C9440440}"/>
+              </a:ext>
+            </a:extLst>
+          </p:cNvPr>
+          <p:cNvSpPr txBox="1"/>
+          <p:nvPr/>
+        </p:nvSpPr>
+        <p:spPr>
+          <a:xfrm>
+            <a:off x="1131570" y="1136599"/>
+            <a:ext cx="2057400" cy="369332"/>
+          </a:xfrm>
+          <a:prstGeom prst="rect">
+            <a:avLst/>
+          </a:prstGeom>
+          <a:noFill/>
+        </p:spPr>
+        <p:txBody>
+          <a:bodyPr wrap="square" rtlCol="0">
+            <a:spAutoFit/>
+          </a:bodyPr>
+          <a:lstStyle/>
+          <a:p>
+            <a:pPr algn="ctr"/>
+            <a:r>
+              <a:rPr lang="en-US" dirty="0">
+                <a:solidFill>
+                  <a:srgbClr val="00B0F0"/>
+                </a:solidFill>
+              </a:rPr>
+              <a:t>2016</a:t>
+            </a:r>
+          </a:p>
+        </p:txBody>
+      </p:sp>
+      <p:sp>
+        <p:nvSpPr>
+          <p:cNvPr id="25" name="TextBox 24">
+            <a:extLst>
+              <a:ext uri="{FF2B5EF4-FFF2-40B4-BE49-F238E27FC236}">
+                <a16:creationId xmlns:a16="http://schemas.microsoft.com/office/drawing/2014/main" id="{DE28F087-3562-8B49-AF03-25095E9C5C74}"/>
+              </a:ext>
+            </a:extLst>
+          </p:cNvPr>
+          <p:cNvSpPr txBox="1"/>
+          <p:nvPr/>
+        </p:nvSpPr>
+        <p:spPr>
+          <a:xfrm>
+            <a:off x="5067300" y="1136599"/>
+            <a:ext cx="2057400" cy="369332"/>
+          </a:xfrm>
+          <a:prstGeom prst="rect">
+            <a:avLst/>
+          </a:prstGeom>
+          <a:noFill/>
+        </p:spPr>
+        <p:txBody>
+          <a:bodyPr wrap="square" rtlCol="0">
+            <a:spAutoFit/>
+          </a:bodyPr>
+          <a:lstStyle/>
+          <a:p>
+            <a:pPr algn="ctr"/>
+            <a:r>
+              <a:rPr lang="en-US" dirty="0">
+                <a:solidFill>
+                  <a:srgbClr val="FF0000"/>
+                </a:solidFill>
+              </a:rPr>
+              <a:t>2017</a:t>
+            </a:r>
+          </a:p>
+        </p:txBody>
+      </p:sp>
+      <p:sp>
+        <p:nvSpPr>
+          <p:cNvPr id="26" name="TextBox 25">
+            <a:extLst>
+              <a:ext uri="{FF2B5EF4-FFF2-40B4-BE49-F238E27FC236}">
+                <a16:creationId xmlns:a16="http://schemas.microsoft.com/office/drawing/2014/main" id="{D81097FE-8411-3A41-813A-135B44833012}"/>
+              </a:ext>
+            </a:extLst>
+          </p:cNvPr>
+          <p:cNvSpPr txBox="1"/>
+          <p:nvPr/>
+        </p:nvSpPr>
+        <p:spPr>
+          <a:xfrm>
+            <a:off x="8871758" y="1134606"/>
+            <a:ext cx="2057400" cy="369332"/>
+          </a:xfrm>
+          <a:prstGeom prst="rect">
+            <a:avLst/>
+          </a:prstGeom>
+          <a:noFill/>
+        </p:spPr>
+        <p:txBody>
+          <a:bodyPr wrap="square" rtlCol="0">
+            <a:spAutoFit/>
+          </a:bodyPr>
+          <a:lstStyle/>
+          <a:p>
+            <a:pPr algn="ctr"/>
+            <a:r>
+              <a:rPr lang="en-US" dirty="0">
+                <a:solidFill>
+                  <a:srgbClr val="00B050"/>
+                </a:solidFill>
+              </a:rPr>
+              <a:t>2018</a:t>
+            </a:r>
+          </a:p>
+        </p:txBody>
+      </p:sp>
+      <p:sp>
+        <p:nvSpPr>
+          <p:cNvPr id="2" name="Slide Number Placeholder 1">
+            <a:extLst>
+              <a:ext uri="{FF2B5EF4-FFF2-40B4-BE49-F238E27FC236}">
+                <a16:creationId xmlns:a16="http://schemas.microsoft.com/office/drawing/2014/main" id="{2BDF07F2-8A31-6F41-9C54-4431125619C4}"/>
+              </a:ext>
+            </a:extLst>
+          </p:cNvPr>
+          <p:cNvSpPr>
+            <a:spLocks noGrp="1"/>
+          </p:cNvSpPr>
+          <p:nvPr>
+            <p:ph type="sldNum" sz="quarter" idx="12"/>
+          </p:nvPr>
+        </p:nvSpPr>
+        <p:spPr/>
+        <p:txBody>
+          <a:bodyPr/>
+          <a:lstStyle/>
+          <a:p>
+            <a:fld id="{4FAB73BC-B049-4115-A692-8D63A059BFB8}" type="slidenum">
+              <a:rPr lang="en-US" smtClean="0"/>
+              <a:pPr/>
+              <a:t>10</a:t>
+            </a:fld>
+            <a:endParaRPr lang="en-US" dirty="0"/>
+          </a:p>
+        </p:txBody>
+      </p:sp>
+      <p:cxnSp>
+        <p:nvCxnSpPr>
+          <p:cNvPr id="31" name="Straight Connector 30">
+            <a:extLst>
+              <a:ext uri="{FF2B5EF4-FFF2-40B4-BE49-F238E27FC236}">
+                <a16:creationId xmlns:a16="http://schemas.microsoft.com/office/drawing/2014/main" id="{39FD2651-9624-6645-A8FB-B6EDFBEACC24}"/>
+              </a:ext>
+            </a:extLst>
+          </p:cNvPr>
+          <p:cNvCxnSpPr>
+            <a:cxnSpLocks/>
+          </p:cNvCxnSpPr>
+          <p:nvPr/>
+        </p:nvCxnSpPr>
+        <p:spPr>
+          <a:xfrm>
+            <a:off x="30480" y="72102"/>
+            <a:ext cx="0" cy="6300788"/>
+          </a:xfrm>
+          <a:prstGeom prst="line">
+            <a:avLst/>
+          </a:prstGeom>
+          <a:ln w="25400">
+            <a:solidFill>
+              <a:srgbClr val="00B0F0"/>
+            </a:solidFill>
+          </a:ln>
+        </p:spPr>
+        <p:style>
+          <a:lnRef idx="1">
+            <a:schemeClr val="accent1"/>
+          </a:lnRef>
+          <a:fillRef idx="0">
+            <a:schemeClr val="accent1"/>
+          </a:fillRef>
+          <a:effectRef idx="0">
+            <a:schemeClr val="accent1"/>
+          </a:effectRef>
+          <a:fontRef idx="minor">
+            <a:schemeClr val="tx1"/>
+          </a:fontRef>
+        </p:style>
+      </p:cxnSp>
+      <p:sp>
+        <p:nvSpPr>
+          <p:cNvPr id="13" name="Date Placeholder 12">
+            <a:extLst>
+              <a:ext uri="{FF2B5EF4-FFF2-40B4-BE49-F238E27FC236}">
+                <a16:creationId xmlns:a16="http://schemas.microsoft.com/office/drawing/2014/main" id="{26FBEBE3-A9F2-CB4A-A555-BD1769498DB6}"/>
+              </a:ext>
+            </a:extLst>
+          </p:cNvPr>
+          <p:cNvSpPr>
+            <a:spLocks noGrp="1"/>
+          </p:cNvSpPr>
+          <p:nvPr>
+            <p:ph type="dt" sz="half" idx="10"/>
+          </p:nvPr>
+        </p:nvSpPr>
+        <p:spPr/>
+        <p:txBody>
+          <a:bodyPr/>
+          <a:lstStyle/>
+          <a:p>
+            <a:fld id="{863596AC-079A-914A-A4AA-F10BF720D55E}" type="datetime1">
+              <a:rPr lang="en-US" smtClean="0"/>
+              <a:t>12/6/19</a:t>
+            </a:fld>
+            <a:endParaRPr lang="en-US" dirty="0"/>
+          </a:p>
+        </p:txBody>
+      </p:sp>
+      <p:cxnSp>
+        <p:nvCxnSpPr>
+          <p:cNvPr id="27" name="Straight Connector 26">
+            <a:extLst>
+              <a:ext uri="{FF2B5EF4-FFF2-40B4-BE49-F238E27FC236}">
+                <a16:creationId xmlns:a16="http://schemas.microsoft.com/office/drawing/2014/main" id="{486E758F-A6A6-A949-AEA6-3614F17201C4}"/>
+              </a:ext>
+            </a:extLst>
+          </p:cNvPr>
+          <p:cNvCxnSpPr>
+            <a:cxnSpLocks/>
+          </p:cNvCxnSpPr>
+          <p:nvPr/>
+        </p:nvCxnSpPr>
+        <p:spPr>
+          <a:xfrm>
+            <a:off x="4002403" y="0"/>
+            <a:ext cx="0" cy="6300788"/>
+          </a:xfrm>
+          <a:prstGeom prst="line">
+            <a:avLst/>
+          </a:prstGeom>
+          <a:ln w="25400">
+            <a:solidFill>
+              <a:srgbClr val="FF0000"/>
+            </a:solidFill>
+          </a:ln>
+        </p:spPr>
+        <p:style>
+          <a:lnRef idx="1">
+            <a:schemeClr val="accent1"/>
+          </a:lnRef>
+          <a:fillRef idx="0">
+            <a:schemeClr val="accent1"/>
+          </a:fillRef>
+          <a:effectRef idx="0">
+            <a:schemeClr val="accent1"/>
+          </a:effectRef>
+          <a:fontRef idx="minor">
+            <a:schemeClr val="tx1"/>
+          </a:fontRef>
+        </p:style>
+      </p:cxnSp>
+      <p:cxnSp>
+        <p:nvCxnSpPr>
+          <p:cNvPr id="28" name="Straight Connector 27">
+            <a:extLst>
+              <a:ext uri="{FF2B5EF4-FFF2-40B4-BE49-F238E27FC236}">
+                <a16:creationId xmlns:a16="http://schemas.microsoft.com/office/drawing/2014/main" id="{58BF1060-8244-AA47-BC85-432273E489FD}"/>
+              </a:ext>
+            </a:extLst>
+          </p:cNvPr>
+          <p:cNvCxnSpPr>
+            <a:cxnSpLocks/>
+          </p:cNvCxnSpPr>
+          <p:nvPr/>
+        </p:nvCxnSpPr>
+        <p:spPr>
+          <a:xfrm>
+            <a:off x="7974333" y="0"/>
+            <a:ext cx="0" cy="6300788"/>
+          </a:xfrm>
+          <a:prstGeom prst="line">
+            <a:avLst/>
+          </a:prstGeom>
+          <a:ln w="25400">
+            <a:solidFill>
+              <a:srgbClr val="FF0000"/>
+            </a:solidFill>
+          </a:ln>
+        </p:spPr>
+        <p:style>
+          <a:lnRef idx="1">
+            <a:schemeClr val="accent1"/>
+          </a:lnRef>
+          <a:fillRef idx="0">
+            <a:schemeClr val="accent1"/>
+          </a:fillRef>
+          <a:effectRef idx="0">
+            <a:schemeClr val="accent1"/>
+          </a:effectRef>
+          <a:fontRef idx="minor">
+            <a:schemeClr val="tx1"/>
+          </a:fontRef>
+        </p:style>
+      </p:cxnSp>
+      <p:cxnSp>
+        <p:nvCxnSpPr>
+          <p:cNvPr id="29" name="Straight Connector 28">
+            <a:extLst>
+              <a:ext uri="{FF2B5EF4-FFF2-40B4-BE49-F238E27FC236}">
+                <a16:creationId xmlns:a16="http://schemas.microsoft.com/office/drawing/2014/main" id="{1E569388-2E39-4547-A8E9-ED16C21F2D62}"/>
+              </a:ext>
+            </a:extLst>
+          </p:cNvPr>
+          <p:cNvCxnSpPr>
+            <a:cxnSpLocks/>
+          </p:cNvCxnSpPr>
+          <p:nvPr/>
+        </p:nvCxnSpPr>
+        <p:spPr>
+          <a:xfrm>
+            <a:off x="8055292" y="0"/>
+            <a:ext cx="0" cy="6300788"/>
+          </a:xfrm>
+          <a:prstGeom prst="line">
+            <a:avLst/>
+          </a:prstGeom>
+          <a:ln w="25400">
+            <a:solidFill>
+              <a:srgbClr val="00B050"/>
+            </a:solidFill>
+          </a:ln>
+        </p:spPr>
+        <p:style>
+          <a:lnRef idx="1">
+            <a:schemeClr val="accent1"/>
+          </a:lnRef>
+          <a:fillRef idx="0">
+            <a:schemeClr val="accent1"/>
+          </a:fillRef>
+          <a:effectRef idx="0">
+            <a:schemeClr val="accent1"/>
+          </a:effectRef>
+          <a:fontRef idx="minor">
+            <a:schemeClr val="tx1"/>
+          </a:fontRef>
+        </p:style>
+      </p:cxnSp>
+      <p:cxnSp>
+        <p:nvCxnSpPr>
+          <p:cNvPr id="30" name="Straight Connector 29">
+            <a:extLst>
+              <a:ext uri="{FF2B5EF4-FFF2-40B4-BE49-F238E27FC236}">
+                <a16:creationId xmlns:a16="http://schemas.microsoft.com/office/drawing/2014/main" id="{117EBB5D-182A-9547-9463-4339A9CA0668}"/>
+              </a:ext>
+            </a:extLst>
+          </p:cNvPr>
+          <p:cNvCxnSpPr>
+            <a:cxnSpLocks/>
+          </p:cNvCxnSpPr>
+          <p:nvPr/>
+        </p:nvCxnSpPr>
+        <p:spPr>
+          <a:xfrm>
+            <a:off x="12093899" y="14288"/>
+            <a:ext cx="0" cy="6300788"/>
+          </a:xfrm>
+          <a:prstGeom prst="line">
+            <a:avLst/>
+          </a:prstGeom>
+          <a:ln w="25400">
+            <a:solidFill>
+              <a:srgbClr val="00B050"/>
+            </a:solidFill>
+          </a:ln>
+        </p:spPr>
+        <p:style>
+          <a:lnRef idx="1">
+            <a:schemeClr val="accent1"/>
+          </a:lnRef>
+          <a:fillRef idx="0">
+            <a:schemeClr val="accent1"/>
+          </a:fillRef>
+          <a:effectRef idx="0">
+            <a:schemeClr val="accent1"/>
+          </a:effectRef>
+          <a:fontRef idx="minor">
+            <a:schemeClr val="tx1"/>
+          </a:fontRef>
+        </p:style>
+      </p:cxnSp>
+      <p:cxnSp>
+        <p:nvCxnSpPr>
+          <p:cNvPr id="18" name="Straight Connector 17">
+            <a:extLst>
+              <a:ext uri="{FF2B5EF4-FFF2-40B4-BE49-F238E27FC236}">
+                <a16:creationId xmlns:a16="http://schemas.microsoft.com/office/drawing/2014/main" id="{FA0B9E01-6EBC-A743-8BF6-5BD64D58800A}"/>
+              </a:ext>
+            </a:extLst>
+          </p:cNvPr>
+          <p:cNvCxnSpPr>
+            <a:cxnSpLocks/>
+          </p:cNvCxnSpPr>
+          <p:nvPr/>
+        </p:nvCxnSpPr>
+        <p:spPr>
+          <a:xfrm>
+            <a:off x="3935730" y="0"/>
+            <a:ext cx="0" cy="6300788"/>
+          </a:xfrm>
+          <a:prstGeom prst="line">
+            <a:avLst/>
+          </a:prstGeom>
+          <a:ln w="25400">
+            <a:solidFill>
+              <a:srgbClr val="00B0F0"/>
+            </a:solidFill>
+          </a:ln>
+        </p:spPr>
+        <p:style>
+          <a:lnRef idx="1">
+            <a:schemeClr val="accent1"/>
+          </a:lnRef>
+          <a:fillRef idx="0">
+            <a:schemeClr val="accent1"/>
+          </a:fillRef>
+          <a:effectRef idx="0">
+            <a:schemeClr val="accent1"/>
+          </a:effectRef>
+          <a:fontRef idx="minor">
+            <a:schemeClr val="tx1"/>
+          </a:fontRef>
+        </p:style>
+      </p:cxnSp>
+      <p:pic>
+        <p:nvPicPr>
+          <p:cNvPr id="5" name="Picture 4">
+            <a:extLst>
+              <a:ext uri="{FF2B5EF4-FFF2-40B4-BE49-F238E27FC236}">
+                <a16:creationId xmlns:a16="http://schemas.microsoft.com/office/drawing/2014/main" id="{43D31DCE-5857-1545-B6AE-4A9D71BB6A5D}"/>
+              </a:ext>
+            </a:extLst>
+          </p:cNvPr>
+          <p:cNvPicPr>
+            <a:picLocks noChangeAspect="1"/>
+          </p:cNvPicPr>
+          <p:nvPr/>
+        </p:nvPicPr>
+        <p:blipFill>
+          <a:blip r:embed="rId2"/>
+          <a:stretch>
+            <a:fillRect/>
+          </a:stretch>
+        </p:blipFill>
+        <p:spPr>
+          <a:xfrm rot="5400000">
+            <a:off x="606611" y="1520761"/>
+            <a:ext cx="2752979" cy="3816477"/>
+          </a:xfrm>
+          <a:prstGeom prst="rect">
+            <a:avLst/>
+          </a:prstGeom>
+        </p:spPr>
+      </p:pic>
+      <p:pic>
+        <p:nvPicPr>
+          <p:cNvPr id="19" name="Picture 18">
+            <a:extLst>
+              <a:ext uri="{FF2B5EF4-FFF2-40B4-BE49-F238E27FC236}">
+                <a16:creationId xmlns:a16="http://schemas.microsoft.com/office/drawing/2014/main" id="{422ADB2D-1BB7-E742-B306-DF1CCEB92070}"/>
+              </a:ext>
+            </a:extLst>
+          </p:cNvPr>
+          <p:cNvPicPr>
+            <a:picLocks noChangeAspect="1"/>
+          </p:cNvPicPr>
+          <p:nvPr/>
+        </p:nvPicPr>
+        <p:blipFill>
+          <a:blip r:embed="rId3"/>
+          <a:stretch>
+            <a:fillRect/>
+          </a:stretch>
+        </p:blipFill>
+        <p:spPr>
+          <a:xfrm rot="5400000">
+            <a:off x="4649126" y="1520760"/>
+            <a:ext cx="2752979" cy="3816477"/>
+          </a:xfrm>
+          <a:prstGeom prst="rect">
+            <a:avLst/>
+          </a:prstGeom>
+        </p:spPr>
+      </p:pic>
+      <p:pic>
+        <p:nvPicPr>
+          <p:cNvPr id="20" name="Picture 19">
+            <a:extLst>
+              <a:ext uri="{FF2B5EF4-FFF2-40B4-BE49-F238E27FC236}">
+                <a16:creationId xmlns:a16="http://schemas.microsoft.com/office/drawing/2014/main" id="{F372B697-2CF9-5441-8CA8-5B0C857FEDC1}"/>
+              </a:ext>
+            </a:extLst>
+          </p:cNvPr>
+          <p:cNvPicPr>
+            <a:picLocks noChangeAspect="1"/>
+          </p:cNvPicPr>
+          <p:nvPr/>
+        </p:nvPicPr>
+        <p:blipFill>
+          <a:blip r:embed="rId4"/>
+          <a:stretch>
+            <a:fillRect/>
+          </a:stretch>
+        </p:blipFill>
+        <p:spPr>
+          <a:xfrm rot="5400000">
+            <a:off x="8698106" y="1516936"/>
+            <a:ext cx="2752979" cy="3816477"/>
+          </a:xfrm>
+          <a:prstGeom prst="rect">
+            <a:avLst/>
+          </a:prstGeom>
+        </p:spPr>
+      </p:pic>
+    </p:spTree>
+    <p:extLst>
+      <p:ext uri="{BB962C8B-B14F-4D97-AF65-F5344CB8AC3E}">
+        <p14:creationId xmlns:p14="http://schemas.microsoft.com/office/powerpoint/2010/main" val="1360312462"/>
+      </p:ext>
+    </p:extLst>
+  </p:cSld>
+  <p:clrMapOvr>
+    <a:masterClrMapping/>
+  </p:clrMapOvr>
+</p:sld>
+</file>
+
 <file path=ppt/slides/slide2.xml><?xml version="1.0" encoding="utf-8"?>
+<p:sld xmlns:a="http://schemas.openxmlformats.org/drawingml/2006/main" xmlns:r="http://schemas.openxmlformats.org/officeDocument/2006/relationships" xmlns:p="http://schemas.openxmlformats.org/presentationml/2006/main">
+  <p:cSld>
+    <p:spTree>
+      <p:nvGrpSpPr>
+        <p:cNvPr id="1" name=""/>
+        <p:cNvGrpSpPr/>
+        <p:nvPr/>
+      </p:nvGrpSpPr>
+      <p:grpSpPr>
+        <a:xfrm>
+          <a:off x="0" y="0"/>
+          <a:ext cx="0" cy="0"/>
+          <a:chOff x="0" y="0"/>
+          <a:chExt cx="0" cy="0"/>
+        </a:xfrm>
+      </p:grpSpPr>
+      <p:sp>
+        <p:nvSpPr>
+          <p:cNvPr id="3" name="Footer Placeholder 2"/>
+          <p:cNvSpPr>
+            <a:spLocks noGrp="1"/>
+          </p:cNvSpPr>
+          <p:nvPr>
+            <p:ph type="ftr" sz="quarter" idx="11"/>
+          </p:nvPr>
+        </p:nvSpPr>
+        <p:spPr/>
+        <p:txBody>
+          <a:bodyPr/>
+          <a:lstStyle/>
+          <a:p>
+            <a:r>
+              <a:rPr lang="fi-FI" dirty="0"/>
+              <a:t>NTUA G. </a:t>
+            </a:r>
+            <a:r>
+              <a:rPr lang="fi-FI" dirty="0" err="1"/>
+              <a:t>Bakas</a:t>
+            </a:r>
+            <a:endParaRPr lang="en-US" dirty="0"/>
+          </a:p>
+        </p:txBody>
+      </p:sp>
+      <p:sp>
+        <p:nvSpPr>
+          <p:cNvPr id="7" name="TextBox 6"/>
+          <p:cNvSpPr txBox="1"/>
+          <p:nvPr/>
+        </p:nvSpPr>
+        <p:spPr>
+          <a:xfrm>
+            <a:off x="111965" y="83975"/>
+            <a:ext cx="11783049" cy="523220"/>
+          </a:xfrm>
+          <a:prstGeom prst="rect">
+            <a:avLst/>
+          </a:prstGeom>
+          <a:noFill/>
+        </p:spPr>
+        <p:txBody>
+          <a:bodyPr wrap="square" rtlCol="0">
+            <a:spAutoFit/>
+          </a:bodyPr>
+          <a:lstStyle/>
+          <a:p>
+            <a:r>
+              <a:rPr lang="en-US" sz="2800" u="sng" dirty="0"/>
+              <a:t>Status Report</a:t>
+            </a:r>
+          </a:p>
+        </p:txBody>
+      </p:sp>
+      <p:sp>
+        <p:nvSpPr>
+          <p:cNvPr id="6" name="TextBox 5">
+            <a:extLst>
+              <a:ext uri="{FF2B5EF4-FFF2-40B4-BE49-F238E27FC236}">
+                <a16:creationId xmlns:a16="http://schemas.microsoft.com/office/drawing/2014/main" id="{1DDE6F7F-FC19-F840-A70E-C84BA99E0247}"/>
+              </a:ext>
+            </a:extLst>
+          </p:cNvPr>
+          <p:cNvSpPr txBox="1"/>
+          <p:nvPr/>
+        </p:nvSpPr>
+        <p:spPr>
+          <a:xfrm>
+            <a:off x="111965" y="717334"/>
+            <a:ext cx="11783048" cy="5632311"/>
+          </a:xfrm>
+          <a:prstGeom prst="rect">
+            <a:avLst/>
+          </a:prstGeom>
+          <a:noFill/>
+        </p:spPr>
+        <p:txBody>
+          <a:bodyPr wrap="square" rtlCol="0">
+            <a:spAutoFit/>
+          </a:bodyPr>
+          <a:lstStyle/>
+          <a:p>
+            <a:pPr marL="285750" indent="-285750">
+              <a:buFont typeface="Arial" panose="020B0604020202020204" pitchFamily="34" charset="0"/>
+              <a:buChar char="•"/>
+            </a:pPr>
+            <a:r>
+              <a:rPr lang="en-US" dirty="0"/>
+              <a:t>Combine Tutorial/Workshop</a:t>
+            </a:r>
+          </a:p>
+          <a:p>
+            <a:pPr marL="285750" indent="-285750">
+              <a:buFont typeface="Arial" panose="020B0604020202020204" pitchFamily="34" charset="0"/>
+              <a:buChar char="•"/>
+            </a:pPr>
+            <a:endParaRPr lang="en-US" dirty="0"/>
+          </a:p>
+          <a:p>
+            <a:pPr marL="285750" indent="-285750">
+              <a:buFont typeface="Arial" panose="020B0604020202020204" pitchFamily="34" charset="0"/>
+              <a:buChar char="•"/>
+            </a:pPr>
+            <a:r>
+              <a:rPr lang="en-US" dirty="0"/>
+              <a:t>Signal Extraction </a:t>
+            </a:r>
+          </a:p>
+          <a:p>
+            <a:pPr marL="742950" lvl="1" indent="-285750">
+              <a:buFont typeface="Arial" panose="020B0604020202020204" pitchFamily="34" charset="0"/>
+              <a:buChar char="•"/>
+            </a:pPr>
+            <a:r>
+              <a:rPr lang="en-US" dirty="0"/>
+              <a:t>Various methods for extracting number of QCD events in Signal reduced mass region</a:t>
+            </a:r>
+          </a:p>
+          <a:p>
+            <a:pPr marL="742950" lvl="1" indent="-285750">
+              <a:buFont typeface="Arial" panose="020B0604020202020204" pitchFamily="34" charset="0"/>
+              <a:buChar char="•"/>
+            </a:pPr>
+            <a:r>
+              <a:rPr lang="en-US" dirty="0"/>
+              <a:t>Fixed eb or free eb</a:t>
+            </a:r>
+          </a:p>
+          <a:p>
+            <a:pPr marL="742950" lvl="1" indent="-285750">
+              <a:buFont typeface="Arial" panose="020B0604020202020204" pitchFamily="34" charset="0"/>
+              <a:buChar char="•"/>
+            </a:pPr>
+            <a:endParaRPr lang="en-US" dirty="0"/>
+          </a:p>
+          <a:p>
+            <a:pPr marL="285750" indent="-285750">
+              <a:buFont typeface="Arial" panose="020B0604020202020204" pitchFamily="34" charset="0"/>
+              <a:buChar char="•"/>
+            </a:pPr>
+            <a:r>
+              <a:rPr lang="en-US" dirty="0"/>
+              <a:t>Unfolding</a:t>
+            </a:r>
+          </a:p>
+          <a:p>
+            <a:pPr marL="742950" lvl="1" indent="-285750">
+              <a:buFont typeface="Arial" panose="020B0604020202020204" pitchFamily="34" charset="0"/>
+              <a:buChar char="•"/>
+            </a:pPr>
+            <a:r>
+              <a:rPr lang="en-US" dirty="0"/>
+              <a:t>Response Matrices where </a:t>
+            </a:r>
+            <a:r>
+              <a:rPr lang="en-US" dirty="0" err="1"/>
+              <a:t>Nbins</a:t>
+            </a:r>
+            <a:r>
+              <a:rPr lang="en-US" dirty="0"/>
+              <a:t> </a:t>
+            </a:r>
+            <a:r>
+              <a:rPr lang="en-US" dirty="0" err="1"/>
+              <a:t>Reco</a:t>
+            </a:r>
+            <a:r>
+              <a:rPr lang="en-US" dirty="0"/>
+              <a:t> ~ 2Nbins Parton/Particle</a:t>
+            </a:r>
+          </a:p>
+          <a:p>
+            <a:pPr marL="742950" lvl="1" indent="-285750">
+              <a:buFont typeface="Arial" panose="020B0604020202020204" pitchFamily="34" charset="0"/>
+              <a:buChar char="•"/>
+            </a:pPr>
+            <a:r>
+              <a:rPr lang="en-US" dirty="0"/>
+              <a:t>Had to redo Signal extraction for unequal binning to be used in unfolding</a:t>
+            </a:r>
+          </a:p>
+          <a:p>
+            <a:pPr marL="742950" lvl="1" indent="-285750">
+              <a:buFont typeface="Arial" panose="020B0604020202020204" pitchFamily="34" charset="0"/>
+              <a:buChar char="•"/>
+            </a:pPr>
+            <a:r>
+              <a:rPr lang="en-US" dirty="0"/>
+              <a:t>Acceptance </a:t>
+            </a:r>
+            <a:r>
+              <a:rPr lang="en-US" dirty="0">
+                <a:sym typeface="Wingdings" pitchFamily="2" charset="2"/>
+              </a:rPr>
+              <a:t> </a:t>
+            </a:r>
+            <a:r>
+              <a:rPr lang="en-US" dirty="0" err="1">
+                <a:sym typeface="Wingdings" pitchFamily="2" charset="2"/>
+              </a:rPr>
+              <a:t>reco</a:t>
+            </a:r>
+            <a:r>
+              <a:rPr lang="en-US" dirty="0">
+                <a:sym typeface="Wingdings" pitchFamily="2" charset="2"/>
+              </a:rPr>
+              <a:t> bins (redone)</a:t>
+            </a:r>
+          </a:p>
+          <a:p>
+            <a:pPr marL="742950" lvl="1" indent="-285750">
+              <a:buFont typeface="Arial" panose="020B0604020202020204" pitchFamily="34" charset="0"/>
+              <a:buChar char="•"/>
+            </a:pPr>
+            <a:r>
+              <a:rPr lang="en-US" dirty="0">
+                <a:sym typeface="Wingdings" pitchFamily="2" charset="2"/>
+              </a:rPr>
+              <a:t>Efficiency  </a:t>
+            </a:r>
+            <a:r>
+              <a:rPr lang="en-US" dirty="0" err="1">
+                <a:sym typeface="Wingdings" pitchFamily="2" charset="2"/>
+              </a:rPr>
+              <a:t>parton</a:t>
+            </a:r>
+            <a:r>
+              <a:rPr lang="en-US" dirty="0">
+                <a:sym typeface="Wingdings" pitchFamily="2" charset="2"/>
+              </a:rPr>
+              <a:t>/particle bins </a:t>
+            </a:r>
+          </a:p>
+          <a:p>
+            <a:pPr marL="742950" lvl="1" indent="-285750">
+              <a:buFont typeface="Arial" panose="020B0604020202020204" pitchFamily="34" charset="0"/>
+              <a:buChar char="•"/>
+            </a:pPr>
+            <a:r>
+              <a:rPr lang="en-US" dirty="0" err="1">
+                <a:sym typeface="Wingdings" pitchFamily="2" charset="2"/>
+              </a:rPr>
+              <a:t>Unfloding</a:t>
+            </a:r>
+            <a:r>
+              <a:rPr lang="en-US" dirty="0">
+                <a:sym typeface="Wingdings" pitchFamily="2" charset="2"/>
+              </a:rPr>
+              <a:t> technique	</a:t>
+            </a:r>
+          </a:p>
+          <a:p>
+            <a:pPr marL="1200150" lvl="2" indent="-285750">
+              <a:buFont typeface="Arial" panose="020B0604020202020204" pitchFamily="34" charset="0"/>
+              <a:buChar char="•"/>
+            </a:pPr>
+            <a:r>
+              <a:rPr lang="en-US" dirty="0">
+                <a:sym typeface="Wingdings" pitchFamily="2" charset="2"/>
+              </a:rPr>
+              <a:t>If square response matrix  simple inversion </a:t>
+            </a:r>
+          </a:p>
+          <a:p>
+            <a:pPr marL="1200150" lvl="2" indent="-285750">
+              <a:buFont typeface="Arial" panose="020B0604020202020204" pitchFamily="34" charset="0"/>
+              <a:buChar char="•"/>
+            </a:pPr>
+            <a:r>
+              <a:rPr lang="en-US" dirty="0">
+                <a:sym typeface="Wingdings" pitchFamily="2" charset="2"/>
+              </a:rPr>
+              <a:t>If response matrix is not square:</a:t>
+            </a:r>
+          </a:p>
+          <a:p>
+            <a:pPr marL="1657350" lvl="3" indent="-285750">
+              <a:buFont typeface="Arial" panose="020B0604020202020204" pitchFamily="34" charset="0"/>
+              <a:buChar char="•"/>
+            </a:pPr>
+            <a:r>
+              <a:rPr lang="en-US" dirty="0">
+                <a:sym typeface="Wingdings" pitchFamily="2" charset="2"/>
+              </a:rPr>
+              <a:t>Minimum of global correlation</a:t>
+            </a:r>
+          </a:p>
+          <a:p>
+            <a:pPr marL="1657350" lvl="3" indent="-285750">
+              <a:buFont typeface="Arial" panose="020B0604020202020204" pitchFamily="34" charset="0"/>
+              <a:buChar char="•"/>
+            </a:pPr>
+            <a:r>
+              <a:rPr lang="en-US" dirty="0">
+                <a:sym typeface="Wingdings" pitchFamily="2" charset="2"/>
+              </a:rPr>
+              <a:t>L-curve method</a:t>
+            </a:r>
+            <a:endParaRPr lang="en-US" dirty="0"/>
+          </a:p>
+          <a:p>
+            <a:pPr marL="742950" lvl="1" indent="-285750">
+              <a:buFont typeface="Arial" panose="020B0604020202020204" pitchFamily="34" charset="0"/>
+              <a:buChar char="•"/>
+            </a:pPr>
+            <a:endParaRPr lang="en-US" dirty="0"/>
+          </a:p>
+          <a:p>
+            <a:pPr marL="742950" lvl="1" indent="-285750">
+              <a:buFont typeface="Arial" panose="020B0604020202020204" pitchFamily="34" charset="0"/>
+              <a:buChar char="•"/>
+            </a:pPr>
+            <a:endParaRPr lang="en-US" dirty="0"/>
+          </a:p>
+          <a:p>
+            <a:pPr marL="285750" indent="-285750">
+              <a:buFont typeface="Arial" panose="020B0604020202020204" pitchFamily="34" charset="0"/>
+              <a:buChar char="•"/>
+            </a:pPr>
+            <a:endParaRPr lang="en-US" dirty="0"/>
+          </a:p>
+          <a:p>
+            <a:pPr marL="285750" indent="-285750">
+              <a:buFont typeface="Arial" panose="020B0604020202020204" pitchFamily="34" charset="0"/>
+              <a:buChar char="•"/>
+            </a:pPr>
+            <a:endParaRPr lang="en-US" dirty="0"/>
+          </a:p>
+        </p:txBody>
+      </p:sp>
+      <p:sp>
+        <p:nvSpPr>
+          <p:cNvPr id="5" name="Slide Number Placeholder 4">
+            <a:extLst>
+              <a:ext uri="{FF2B5EF4-FFF2-40B4-BE49-F238E27FC236}">
+                <a16:creationId xmlns:a16="http://schemas.microsoft.com/office/drawing/2014/main" id="{69A96869-DB60-5345-ACD9-F1C41035B064}"/>
+              </a:ext>
+            </a:extLst>
+          </p:cNvPr>
+          <p:cNvSpPr>
+            <a:spLocks noGrp="1"/>
+          </p:cNvSpPr>
+          <p:nvPr>
+            <p:ph type="sldNum" sz="quarter" idx="12"/>
+          </p:nvPr>
+        </p:nvSpPr>
+        <p:spPr/>
+        <p:txBody>
+          <a:bodyPr/>
+          <a:lstStyle/>
+          <a:p>
+            <a:fld id="{4FAB73BC-B049-4115-A692-8D63A059BFB8}" type="slidenum">
+              <a:rPr lang="en-US" smtClean="0"/>
+              <a:pPr/>
+              <a:t>2</a:t>
+            </a:fld>
+            <a:endParaRPr lang="en-US" dirty="0"/>
+          </a:p>
+        </p:txBody>
+      </p:sp>
+      <p:sp>
+        <p:nvSpPr>
+          <p:cNvPr id="24" name="Date Placeholder 23">
+            <a:extLst>
+              <a:ext uri="{FF2B5EF4-FFF2-40B4-BE49-F238E27FC236}">
+                <a16:creationId xmlns:a16="http://schemas.microsoft.com/office/drawing/2014/main" id="{056D71EF-2E89-4043-8F92-90A4D46A3E69}"/>
+              </a:ext>
+            </a:extLst>
+          </p:cNvPr>
+          <p:cNvSpPr>
+            <a:spLocks noGrp="1"/>
+          </p:cNvSpPr>
+          <p:nvPr>
+            <p:ph type="dt" sz="half" idx="10"/>
+          </p:nvPr>
+        </p:nvSpPr>
+        <p:spPr/>
+        <p:txBody>
+          <a:bodyPr/>
+          <a:lstStyle/>
+          <a:p>
+            <a:fld id="{A495A033-A54B-4F41-92C4-F7053274BB0C}" type="datetime1">
+              <a:rPr lang="en-US" smtClean="0"/>
+              <a:t>12/6/19</a:t>
+            </a:fld>
+            <a:endParaRPr lang="en-US" dirty="0"/>
+          </a:p>
+        </p:txBody>
+      </p:sp>
+    </p:spTree>
+    <p:extLst>
+      <p:ext uri="{BB962C8B-B14F-4D97-AF65-F5344CB8AC3E}">
+        <p14:creationId xmlns:p14="http://schemas.microsoft.com/office/powerpoint/2010/main" val="3160403283"/>
+      </p:ext>
+    </p:extLst>
+  </p:cSld>
+  <p:clrMapOvr>
+    <a:masterClrMapping/>
+  </p:clrMapOvr>
+</p:sld>
+</file>
+
+<file path=ppt/slides/slide3.xml><?xml version="1.0" encoding="utf-8"?>
 <p:sld xmlns:a="http://schemas.openxmlformats.org/drawingml/2006/main" xmlns:r="http://schemas.openxmlformats.org/officeDocument/2006/relationships" xmlns:p="http://schemas.openxmlformats.org/presentationml/2006/main">
   <p:cSld>
     <p:spTree>
@@ -7814,9 +8887,6 @@
                         <m:sSubSupPr>
                           <m:ctrlPr>
                             <a:rPr lang="en-US" sz="2200" b="0" i="1" smtClean="0">
-                              <a:solidFill>
-                                <a:srgbClr val="00B050"/>
-                              </a:solidFill>
                               <a:latin typeface="Cambria Math" panose="02040503050406030204" pitchFamily="18" charset="0"/>
                               <a:sym typeface="Wingdings" pitchFamily="2" charset="2"/>
                             </a:rPr>
@@ -7825,58 +8895,6 @@
                         <m:e>
                           <m:r>
                             <a:rPr lang="en-US" sz="2200" b="0" i="1" smtClean="0">
-                              <a:solidFill>
-                                <a:srgbClr val="00B050"/>
-                              </a:solidFill>
-                              <a:latin typeface="Cambria Math" panose="02040503050406030204" pitchFamily="18" charset="0"/>
-                              <a:sym typeface="Wingdings" pitchFamily="2" charset="2"/>
-                            </a:rPr>
-                            <m:t>𝐶</m:t>
-                          </m:r>
-                        </m:e>
-                        <m:sub>
-                          <m:r>
-                            <a:rPr lang="en-US" sz="2200" b="0" i="1" smtClean="0">
-                              <a:solidFill>
-                                <a:srgbClr val="00B050"/>
-                              </a:solidFill>
-                              <a:latin typeface="Cambria Math" panose="02040503050406030204" pitchFamily="18" charset="0"/>
-                              <a:sym typeface="Wingdings" pitchFamily="2" charset="2"/>
-                            </a:rPr>
-                            <m:t>𝑏𝑘𝑔</m:t>
-                          </m:r>
-                        </m:sub>
-                        <m:sup>
-                          <m:r>
-                            <a:rPr lang="en-US" sz="2200" b="0" i="1" smtClean="0">
-                              <a:solidFill>
-                                <a:srgbClr val="00B050"/>
-                              </a:solidFill>
-                              <a:latin typeface="Cambria Math" panose="02040503050406030204" pitchFamily="18" charset="0"/>
-                              <a:sym typeface="Wingdings" pitchFamily="2" charset="2"/>
-                            </a:rPr>
-                            <m:t>𝑦𝑖𝑒𝑙𝑑</m:t>
-                          </m:r>
-                        </m:sup>
-                      </m:sSubSup>
-                      <m:sSubSup>
-                        <m:sSubSupPr>
-                          <m:ctrlPr>
-                            <a:rPr lang="en-US" sz="2200" b="0" i="1" smtClean="0">
-                              <a:solidFill>
-                                <a:srgbClr val="FF0000"/>
-                              </a:solidFill>
-                              <a:latin typeface="Cambria Math" panose="02040503050406030204" pitchFamily="18" charset="0"/>
-                              <a:sym typeface="Wingdings" pitchFamily="2" charset="2"/>
-                            </a:rPr>
-                          </m:ctrlPr>
-                        </m:sSubSupPr>
-                        <m:e>
-                          <m:r>
-                            <a:rPr lang="en-US" sz="2200" b="0" i="1" smtClean="0">
-                              <a:solidFill>
-                                <a:srgbClr val="FF0000"/>
-                              </a:solidFill>
                               <a:latin typeface="Cambria Math" panose="02040503050406030204" pitchFamily="18" charset="0"/>
                               <a:sym typeface="Wingdings" pitchFamily="2" charset="2"/>
                             </a:rPr>
@@ -7886,25 +8904,33 @@
                         <m:sub>
                           <m:r>
                             <a:rPr lang="en-US" sz="2200" b="0" i="1" smtClean="0">
-                              <a:solidFill>
-                                <a:srgbClr val="FF0000"/>
-                              </a:solidFill>
                               <a:latin typeface="Cambria Math" panose="02040503050406030204" pitchFamily="18" charset="0"/>
                               <a:sym typeface="Wingdings" pitchFamily="2" charset="2"/>
                             </a:rPr>
                             <m:t>𝑄𝐶𝐷</m:t>
                           </m:r>
+                          <m:r>
+                            <a:rPr lang="en-US" sz="2200" b="0" i="1" smtClean="0">
+                              <a:latin typeface="Cambria Math" panose="02040503050406030204" pitchFamily="18" charset="0"/>
+                              <a:sym typeface="Wingdings" pitchFamily="2" charset="2"/>
+                            </a:rPr>
+                            <m:t>, </m:t>
+                          </m:r>
+                          <m:r>
+                            <a:rPr lang="en-US" sz="2200" b="0" i="1" smtClean="0">
+                              <a:latin typeface="Cambria Math" panose="02040503050406030204" pitchFamily="18" charset="0"/>
+                              <a:sym typeface="Wingdings" pitchFamily="2" charset="2"/>
+                            </a:rPr>
+                            <m:t>𝑟𝑒𝑑𝑢𝑐𝑒𝑑</m:t>
+                          </m:r>
                         </m:sub>
                         <m:sup>
                           <m:r>
                             <a:rPr lang="en-US" sz="2200" b="0" i="1" smtClean="0">
-                              <a:solidFill>
-                                <a:srgbClr val="FF0000"/>
-                              </a:solidFill>
                               <a:latin typeface="Cambria Math" panose="02040503050406030204" pitchFamily="18" charset="0"/>
                               <a:sym typeface="Wingdings" pitchFamily="2" charset="2"/>
                             </a:rPr>
-                            <m:t>𝑓𝑖𝑡</m:t>
+                            <m:t>(2)</m:t>
                           </m:r>
                         </m:sup>
                       </m:sSubSup>
@@ -8346,7 +9372,7 @@
         <p:spPr>
           <a:xfrm>
             <a:off x="3731101" y="2586299"/>
-            <a:ext cx="1604306" cy="800662"/>
+            <a:ext cx="1543143" cy="552899"/>
           </a:xfrm>
           <a:prstGeom prst="wedgeRoundRectCallout">
             <a:avLst>
@@ -8404,7 +9430,7 @@
         <p:spPr>
           <a:xfrm>
             <a:off x="3731101" y="2702941"/>
-            <a:ext cx="1604306" cy="646331"/>
+            <a:ext cx="1604306" cy="369332"/>
           </a:xfrm>
           <a:prstGeom prst="rect">
             <a:avLst/>
@@ -8423,134 +9449,8 @@
                   <a:srgbClr val="00B050"/>
                 </a:solidFill>
               </a:rPr>
-              <a:t>Transfer factor from SR</a:t>
-            </a:r>
-            <a:r>
-              <a:rPr lang="en-US" baseline="-25000" dirty="0">
-                <a:solidFill>
-                  <a:srgbClr val="00B050"/>
-                </a:solidFill>
-              </a:rPr>
-              <a:t>A </a:t>
-            </a:r>
-            <a:r>
-              <a:rPr lang="en-US" dirty="0">
-                <a:solidFill>
-                  <a:srgbClr val="00B050"/>
-                </a:solidFill>
-              </a:rPr>
-              <a:t>to SR</a:t>
-            </a:r>
-          </a:p>
-        </p:txBody>
-      </p:sp>
-      <p:sp>
-        <p:nvSpPr>
-          <p:cNvPr id="12" name="Rounded Rectangular Callout 11">
-            <a:extLst>
-              <a:ext uri="{FF2B5EF4-FFF2-40B4-BE49-F238E27FC236}">
-                <a16:creationId xmlns:a16="http://schemas.microsoft.com/office/drawing/2014/main" id="{EB27AB4F-2EFC-D746-841A-CB591E172344}"/>
-              </a:ext>
-            </a:extLst>
-          </p:cNvPr>
-          <p:cNvSpPr/>
-          <p:nvPr/>
-        </p:nvSpPr>
-        <p:spPr>
-          <a:xfrm>
-            <a:off x="5528618" y="642924"/>
-            <a:ext cx="1800869" cy="954107"/>
-          </a:xfrm>
-          <a:prstGeom prst="wedgeRoundRectCallout">
-            <a:avLst>
-              <a:gd name="adj1" fmla="val -39030"/>
-              <a:gd name="adj2" fmla="val 82416"/>
-              <a:gd name="adj3" fmla="val 16667"/>
-            </a:avLst>
-          </a:prstGeom>
-          <a:noFill/>
-          <a:ln w="31750">
-            <a:solidFill>
-              <a:schemeClr val="bg2">
-                <a:lumMod val="50000"/>
-              </a:schemeClr>
-            </a:solidFill>
-          </a:ln>
-        </p:spPr>
-        <p:style>
-          <a:lnRef idx="2">
-            <a:schemeClr val="accent1">
-              <a:shade val="50000"/>
-            </a:schemeClr>
-          </a:lnRef>
-          <a:fillRef idx="1">
-            <a:schemeClr val="accent1"/>
-          </a:fillRef>
-          <a:effectRef idx="0">
-            <a:schemeClr val="accent1"/>
-          </a:effectRef>
-          <a:fontRef idx="minor">
-            <a:schemeClr val="lt1"/>
-          </a:fontRef>
-        </p:style>
-        <p:txBody>
-          <a:bodyPr rtlCol="0" anchor="ctr"/>
-          <a:lstStyle/>
-          <a:p>
-            <a:pPr algn="ctr"/>
-            <a:endParaRPr lang="en-US"/>
-          </a:p>
-        </p:txBody>
-      </p:sp>
-      <p:sp>
-        <p:nvSpPr>
-          <p:cNvPr id="13" name="TextBox 12">
-            <a:extLst>
-              <a:ext uri="{FF2B5EF4-FFF2-40B4-BE49-F238E27FC236}">
-                <a16:creationId xmlns:a16="http://schemas.microsoft.com/office/drawing/2014/main" id="{3D9FF885-3539-C64E-A125-23EB7D051E53}"/>
-              </a:ext>
-            </a:extLst>
-          </p:cNvPr>
-          <p:cNvSpPr txBox="1"/>
-          <p:nvPr/>
-        </p:nvSpPr>
-        <p:spPr>
-          <a:xfrm>
-            <a:off x="5626899" y="654049"/>
-            <a:ext cx="1604306" cy="923330"/>
-          </a:xfrm>
-          <a:prstGeom prst="rect">
-            <a:avLst/>
-          </a:prstGeom>
-          <a:noFill/>
-        </p:spPr>
-        <p:txBody>
-          <a:bodyPr wrap="square" rtlCol="0">
-            <a:spAutoFit/>
-          </a:bodyPr>
-          <a:lstStyle/>
-          <a:p>
-            <a:r>
-              <a:rPr lang="en-US" dirty="0">
-                <a:solidFill>
-                  <a:srgbClr val="FF0000"/>
-                </a:solidFill>
-              </a:rPr>
-              <a:t>Fitted number of QCD events in SR</a:t>
-            </a:r>
-            <a:r>
-              <a:rPr lang="en-US" baseline="-25000" dirty="0">
-                <a:solidFill>
-                  <a:srgbClr val="FF0000"/>
-                </a:solidFill>
-              </a:rPr>
-              <a:t>A</a:t>
-            </a:r>
-            <a:endParaRPr lang="en-US" dirty="0">
-              <a:solidFill>
-                <a:srgbClr val="FF0000"/>
-              </a:solidFill>
-            </a:endParaRPr>
+              <a:t>ABCD Method</a:t>
+            </a:r>
           </a:p>
         </p:txBody>
       </p:sp>
@@ -8948,7 +9848,7 @@
             <a:fld id="{4FAB73BC-B049-4115-A692-8D63A059BFB8}" type="slidenum">
               <a:rPr lang="en-US" smtClean="0"/>
               <a:pPr/>
-              <a:t>2</a:t>
+              <a:t>3</a:t>
             </a:fld>
             <a:endParaRPr lang="en-US" dirty="0"/>
           </a:p>
@@ -10341,7 +11241,7 @@
           <a:p>
             <a:fld id="{A495A033-A54B-4F41-92C4-F7053274BB0C}" type="datetime1">
               <a:rPr lang="en-US" smtClean="0"/>
-              <a:t>12/5/19</a:t>
+              <a:t>12/6/19</a:t>
             </a:fld>
             <a:endParaRPr lang="en-US" dirty="0"/>
           </a:p>
@@ -10350,7 +11250,7 @@
     </p:spTree>
     <p:extLst>
       <p:ext uri="{BB962C8B-B14F-4D97-AF65-F5344CB8AC3E}">
-        <p14:creationId xmlns:p14="http://schemas.microsoft.com/office/powerpoint/2010/main" val="3160403283"/>
+        <p14:creationId xmlns:p14="http://schemas.microsoft.com/office/powerpoint/2010/main" val="727400291"/>
       </p:ext>
     </p:extLst>
   </p:cSld>
@@ -10360,7 +11260,7 @@
 </p:sld>
 </file>
 
-<file path=ppt/slides/slide3.xml><?xml version="1.0" encoding="utf-8"?>
+<file path=ppt/slides/slide4.xml><?xml version="1.0" encoding="utf-8"?>
 <p:sld xmlns:a="http://schemas.openxmlformats.org/drawingml/2006/main" xmlns:r="http://schemas.openxmlformats.org/officeDocument/2006/relationships" xmlns:p="http://schemas.openxmlformats.org/presentationml/2006/main">
   <p:cSld>
     <p:spTree>
@@ -10625,7 +11525,7 @@
             <a:fld id="{4FAB73BC-B049-4115-A692-8D63A059BFB8}" type="slidenum">
               <a:rPr lang="en-US" smtClean="0"/>
               <a:pPr/>
-              <a:t>3</a:t>
+              <a:t>4</a:t>
             </a:fld>
             <a:endParaRPr lang="en-US" dirty="0"/>
           </a:p>
@@ -10697,7 +11597,7 @@
           <a:p>
             <a:fld id="{863596AC-079A-914A-A4AA-F10BF720D55E}" type="datetime1">
               <a:rPr lang="en-US" smtClean="0"/>
-              <a:t>12/5/19</a:t>
+              <a:t>12/6/19</a:t>
             </a:fld>
             <a:endParaRPr lang="en-US" dirty="0"/>
           </a:p>
@@ -11021,7 +11921,7 @@
 </p:sld>
 </file>
 
-<file path=ppt/slides/slide4.xml><?xml version="1.0" encoding="utf-8"?>
+<file path=ppt/slides/slide5.xml><?xml version="1.0" encoding="utf-8"?>
 <p:sld xmlns:a="http://schemas.openxmlformats.org/drawingml/2006/main" xmlns:r="http://schemas.openxmlformats.org/officeDocument/2006/relationships" xmlns:p="http://schemas.openxmlformats.org/presentationml/2006/main">
   <p:cSld>
     <p:spTree>
@@ -11274,7 +12174,7 @@
             <a:fld id="{4FAB73BC-B049-4115-A692-8D63A059BFB8}" type="slidenum">
               <a:rPr lang="en-US" smtClean="0"/>
               <a:pPr/>
-              <a:t>4</a:t>
+              <a:t>5</a:t>
             </a:fld>
             <a:endParaRPr lang="en-US" dirty="0"/>
           </a:p>
@@ -11303,7 +12203,7 @@
           <a:p>
             <a:fld id="{863596AC-079A-914A-A4AA-F10BF720D55E}" type="datetime1">
               <a:rPr lang="en-US" smtClean="0"/>
-              <a:t>12/5/19</a:t>
+              <a:t>12/6/19</a:t>
             </a:fld>
             <a:endParaRPr lang="en-US" dirty="0"/>
           </a:p>
@@ -11672,7 +12572,7 @@
         <p:spPr>
           <a:xfrm>
             <a:off x="70599" y="4566488"/>
-            <a:ext cx="3734030" cy="1569660"/>
+            <a:ext cx="3734030" cy="1384995"/>
           </a:xfrm>
           <a:prstGeom prst="rect">
             <a:avLst/>
@@ -11745,17 +12645,6 @@
             </a:endParaRPr>
           </a:p>
           <a:p>
-            <a:r>
-              <a:rPr lang="en-US" sz="1200" dirty="0">
-                <a:solidFill>
-                  <a:srgbClr val="000000"/>
-                </a:solidFill>
-                <a:latin typeface="Menlo" panose="020B0609030804020204" pitchFamily="49" charset="0"/>
-              </a:rPr>
-              <a:t>NQCD in Reduced (SR): 846.365</a:t>
-            </a:r>
-          </a:p>
-          <a:p>
             <a:endParaRPr lang="en-US" sz="1200" dirty="0">
               <a:solidFill>
                 <a:srgbClr val="000000"/>
@@ -11780,7 +12669,7 @@
         <p:spPr>
           <a:xfrm>
             <a:off x="4029393" y="4566487"/>
-            <a:ext cx="3734024" cy="1384995"/>
+            <a:ext cx="3734024" cy="830997"/>
           </a:xfrm>
           <a:prstGeom prst="rect">
             <a:avLst/>
@@ -11833,33 +12722,6 @@
                 <a:latin typeface="Menlo" panose="020B0609030804020204" pitchFamily="49" charset="0"/>
               </a:rPr>
               <a:t>(R[0]-R[1])/R[0] = 0.00509682</a:t>
-            </a:r>
-          </a:p>
-          <a:p>
-            <a:br>
-              <a:rPr lang="en-US" sz="1200" dirty="0">
-                <a:solidFill>
-                  <a:srgbClr val="000000"/>
-                </a:solidFill>
-                <a:latin typeface="Menlo" panose="020B0609030804020204" pitchFamily="49" charset="0"/>
-              </a:rPr>
-            </a:br>
-            <a:endParaRPr lang="en-US" sz="1200" dirty="0">
-              <a:solidFill>
-                <a:srgbClr val="000000"/>
-              </a:solidFill>
-              <a:latin typeface="Menlo" panose="020B0609030804020204" pitchFamily="49" charset="0"/>
-            </a:endParaRPr>
-          </a:p>
-          <a:p>
-            <a:r>
-              <a:rPr lang="en-US" sz="1200" dirty="0">
-                <a:solidFill>
-                  <a:srgbClr val="000000"/>
-                </a:solidFill>
-                <a:latin typeface="Menlo" panose="020B0609030804020204" pitchFamily="49" charset="0"/>
-              </a:rPr>
-              <a:t>NQCD in Reduced (SR): 677.041</a:t>
             </a:r>
           </a:p>
         </p:txBody>
@@ -11879,7 +12741,7 @@
         <p:spPr>
           <a:xfrm>
             <a:off x="8075372" y="4566486"/>
-            <a:ext cx="3816472" cy="1754326"/>
+            <a:ext cx="3816472" cy="1200329"/>
           </a:xfrm>
           <a:prstGeom prst="rect">
             <a:avLst/>
@@ -11932,33 +12794,6 @@
                 <a:latin typeface="Menlo" panose="020B0609030804020204" pitchFamily="49" charset="0"/>
               </a:rPr>
               <a:t>(R[0]-R[1])/R[0] = 0.00561997</a:t>
-            </a:r>
-          </a:p>
-          <a:p>
-            <a:br>
-              <a:rPr lang="en-US" sz="1200" dirty="0">
-                <a:solidFill>
-                  <a:srgbClr val="000000"/>
-                </a:solidFill>
-                <a:latin typeface="Menlo" panose="020B0609030804020204" pitchFamily="49" charset="0"/>
-              </a:rPr>
-            </a:br>
-            <a:endParaRPr lang="en-US" sz="1200" dirty="0">
-              <a:solidFill>
-                <a:srgbClr val="000000"/>
-              </a:solidFill>
-              <a:latin typeface="Menlo" panose="020B0609030804020204" pitchFamily="49" charset="0"/>
-            </a:endParaRPr>
-          </a:p>
-          <a:p>
-            <a:r>
-              <a:rPr lang="en-US" sz="1200" dirty="0">
-                <a:solidFill>
-                  <a:srgbClr val="000000"/>
-                </a:solidFill>
-                <a:latin typeface="Menlo" panose="020B0609030804020204" pitchFamily="49" charset="0"/>
-              </a:rPr>
-              <a:t>NQCD in Reduced (SR): 1201.35</a:t>
             </a:r>
           </a:p>
           <a:p>
@@ -11996,7 +12831,7 @@
             <p:spPr>
               <a:xfrm>
                 <a:off x="183828" y="3578966"/>
-                <a:ext cx="11708016" cy="673133"/>
+                <a:ext cx="11708016" cy="645048"/>
               </a:xfrm>
               <a:prstGeom prst="rect">
                 <a:avLst/>
@@ -12438,355 +13273,7 @@
                 </a14:m>
                 <a:r>
                   <a:rPr lang="en-US" sz="1600" dirty="0"/>
-                  <a:t> and NQCD in Reduced SR </a:t>
-                </a:r>
-                <a14:m>
-                  <m:oMath xmlns:m="http://schemas.openxmlformats.org/officeDocument/2006/math">
-                    <m:sSubSup>
-                      <m:sSubSupPr>
-                        <m:ctrlPr>
-                          <a:rPr lang="en-US" sz="1600" b="0" i="1" smtClean="0">
-                            <a:latin typeface="Cambria Math" panose="02040503050406030204" pitchFamily="18" charset="0"/>
-                          </a:rPr>
-                        </m:ctrlPr>
-                      </m:sSubSupPr>
-                      <m:e>
-                        <m:r>
-                          <a:rPr lang="en-US" sz="1600" b="0" i="1" smtClean="0">
-                            <a:latin typeface="Cambria Math" panose="02040503050406030204" pitchFamily="18" charset="0"/>
-                          </a:rPr>
-                          <m:t>𝑁</m:t>
-                        </m:r>
-                      </m:e>
-                      <m:sub>
-                        <m:r>
-                          <a:rPr lang="en-US" sz="1600" b="0" i="1" smtClean="0">
-                            <a:latin typeface="Cambria Math" panose="02040503050406030204" pitchFamily="18" charset="0"/>
-                          </a:rPr>
-                          <m:t>𝑄𝐶𝐷</m:t>
-                        </m:r>
-                        <m:r>
-                          <a:rPr lang="en-US" sz="1600" b="0" i="1" smtClean="0">
-                            <a:latin typeface="Cambria Math" panose="02040503050406030204" pitchFamily="18" charset="0"/>
-                          </a:rPr>
-                          <m:t>,</m:t>
-                        </m:r>
-                        <m:r>
-                          <a:rPr lang="en-US" sz="1600" b="0" i="1" smtClean="0">
-                            <a:latin typeface="Cambria Math" panose="02040503050406030204" pitchFamily="18" charset="0"/>
-                          </a:rPr>
-                          <m:t>𝑟𝑒𝑑</m:t>
-                        </m:r>
-                      </m:sub>
-                      <m:sup>
-                        <m:r>
-                          <a:rPr lang="en-US" sz="1600" b="0" i="1" smtClean="0">
-                            <a:latin typeface="Cambria Math" panose="02040503050406030204" pitchFamily="18" charset="0"/>
-                          </a:rPr>
-                          <m:t>(2)</m:t>
-                        </m:r>
-                      </m:sup>
-                    </m:sSubSup>
-                    <m:r>
-                      <a:rPr lang="en-US" sz="1600" b="0" i="1" smtClean="0">
-                        <a:latin typeface="Cambria Math" panose="02040503050406030204" pitchFamily="18" charset="0"/>
-                      </a:rPr>
-                      <m:t>= </m:t>
-                    </m:r>
-                    <m:f>
-                      <m:fPr>
-                        <m:ctrlPr>
-                          <a:rPr lang="en-US" sz="1600" b="0" i="1" smtClean="0">
-                            <a:latin typeface="Cambria Math" panose="02040503050406030204" pitchFamily="18" charset="0"/>
-                          </a:rPr>
-                        </m:ctrlPr>
-                      </m:fPr>
-                      <m:num>
-                        <m:sSubSup>
-                          <m:sSubSupPr>
-                            <m:ctrlPr>
-                              <a:rPr lang="en-US" sz="1600" b="0" i="1" smtClean="0">
-                                <a:latin typeface="Cambria Math" panose="02040503050406030204" pitchFamily="18" charset="0"/>
-                              </a:rPr>
-                            </m:ctrlPr>
-                          </m:sSubSupPr>
-                          <m:e>
-                            <m:r>
-                              <a:rPr lang="en-US" sz="1600" b="0" i="1" smtClean="0">
-                                <a:latin typeface="Cambria Math" panose="02040503050406030204" pitchFamily="18" charset="0"/>
-                              </a:rPr>
-                              <m:t>𝑁</m:t>
-                            </m:r>
-                          </m:e>
-                          <m:sub>
-                            <m:r>
-                              <a:rPr lang="en-US" sz="1600" b="0" i="1" smtClean="0">
-                                <a:latin typeface="Cambria Math" panose="02040503050406030204" pitchFamily="18" charset="0"/>
-                              </a:rPr>
-                              <m:t>𝑓𝑖𝑡</m:t>
-                            </m:r>
-                            <m:r>
-                              <a:rPr lang="en-US" sz="1600" b="0" i="1" smtClean="0">
-                                <a:latin typeface="Cambria Math" panose="02040503050406030204" pitchFamily="18" charset="0"/>
-                              </a:rPr>
-                              <m:t>,</m:t>
-                            </m:r>
-                            <m:r>
-                              <a:rPr lang="en-US" sz="1600" b="0" i="1" smtClean="0">
-                                <a:latin typeface="Cambria Math" panose="02040503050406030204" pitchFamily="18" charset="0"/>
-                              </a:rPr>
-                              <m:t>𝑒𝑥𝑡</m:t>
-                            </m:r>
-                          </m:sub>
-                          <m:sup>
-                            <m:r>
-                              <a:rPr lang="en-US" sz="1600" b="0" i="1" smtClean="0">
-                                <a:latin typeface="Cambria Math" panose="02040503050406030204" pitchFamily="18" charset="0"/>
-                              </a:rPr>
-                              <m:t>(2)</m:t>
-                            </m:r>
-                          </m:sup>
-                        </m:sSubSup>
-                        <m:r>
-                          <a:rPr lang="en-US" sz="1600" b="0" i="1" smtClean="0">
-                            <a:latin typeface="Cambria Math" panose="02040503050406030204" pitchFamily="18" charset="0"/>
-                          </a:rPr>
-                          <m:t> </m:t>
-                        </m:r>
-                      </m:num>
-                      <m:den>
-                        <m:sSubSup>
-                          <m:sSubSupPr>
-                            <m:ctrlPr>
-                              <a:rPr lang="en-US" sz="1600" b="0" i="1" smtClean="0">
-                                <a:latin typeface="Cambria Math" panose="02040503050406030204" pitchFamily="18" charset="0"/>
-                              </a:rPr>
-                            </m:ctrlPr>
-                          </m:sSubSupPr>
-                          <m:e>
-                            <m:r>
-                              <a:rPr lang="en-US" sz="1600" b="0" i="1" smtClean="0">
-                                <a:latin typeface="Cambria Math" panose="02040503050406030204" pitchFamily="18" charset="0"/>
-                              </a:rPr>
-                              <m:t>𝑁</m:t>
-                            </m:r>
-                          </m:e>
-                          <m:sub>
-                            <m:r>
-                              <a:rPr lang="en-US" sz="1600" b="0" i="1" smtClean="0">
-                                <a:latin typeface="Cambria Math" panose="02040503050406030204" pitchFamily="18" charset="0"/>
-                              </a:rPr>
-                              <m:t>𝑓𝑖𝑡</m:t>
-                            </m:r>
-                            <m:r>
-                              <a:rPr lang="en-US" sz="1600" b="0" i="1" smtClean="0">
-                                <a:latin typeface="Cambria Math" panose="02040503050406030204" pitchFamily="18" charset="0"/>
-                              </a:rPr>
-                              <m:t>,</m:t>
-                            </m:r>
-                            <m:r>
-                              <a:rPr lang="en-US" sz="1600" b="0" i="1" smtClean="0">
-                                <a:latin typeface="Cambria Math" panose="02040503050406030204" pitchFamily="18" charset="0"/>
-                              </a:rPr>
-                              <m:t>𝑟𝑒𝑑</m:t>
-                            </m:r>
-                          </m:sub>
-                          <m:sup>
-                            <m:r>
-                              <a:rPr lang="en-US" sz="1600" b="0" i="1" smtClean="0">
-                                <a:latin typeface="Cambria Math" panose="02040503050406030204" pitchFamily="18" charset="0"/>
-                              </a:rPr>
-                              <m:t>(2)</m:t>
-                            </m:r>
-                          </m:sup>
-                        </m:sSubSup>
-                      </m:den>
-                    </m:f>
-                    <m:r>
-                      <a:rPr lang="en-US" sz="1600" b="0" i="1" smtClean="0">
-                        <a:latin typeface="Cambria Math" panose="02040503050406030204" pitchFamily="18" charset="0"/>
-                      </a:rPr>
-                      <m:t>∗</m:t>
-                    </m:r>
-                    <m:sSubSup>
-                      <m:sSubSupPr>
-                        <m:ctrlPr>
-                          <a:rPr lang="en-US" sz="1600" b="0" i="1" smtClean="0">
-                            <a:latin typeface="Cambria Math" panose="02040503050406030204" pitchFamily="18" charset="0"/>
-                          </a:rPr>
-                        </m:ctrlPr>
-                      </m:sSubSupPr>
-                      <m:e>
-                        <m:r>
-                          <a:rPr lang="en-US" sz="1600" b="0" i="1" smtClean="0">
-                            <a:latin typeface="Cambria Math" panose="02040503050406030204" pitchFamily="18" charset="0"/>
-                          </a:rPr>
-                          <m:t>𝑁</m:t>
-                        </m:r>
-                      </m:e>
-                      <m:sub>
-                        <m:r>
-                          <a:rPr lang="en-US" sz="1600" b="0" i="1" smtClean="0">
-                            <a:latin typeface="Cambria Math" panose="02040503050406030204" pitchFamily="18" charset="0"/>
-                          </a:rPr>
-                          <m:t>𝑄𝐶𝐷𝑒𝑥𝑡</m:t>
-                        </m:r>
-                      </m:sub>
-                      <m:sup>
-                        <m:r>
-                          <a:rPr lang="en-US" sz="1600" b="0" i="1" smtClean="0">
-                            <a:latin typeface="Cambria Math" panose="02040503050406030204" pitchFamily="18" charset="0"/>
-                          </a:rPr>
-                          <m:t>0</m:t>
-                        </m:r>
-                      </m:sup>
-                    </m:sSubSup>
-                    <m:r>
-                      <a:rPr lang="en-US" sz="1600" b="0" i="1" smtClean="0">
-                        <a:latin typeface="Cambria Math" panose="02040503050406030204" pitchFamily="18" charset="0"/>
-                      </a:rPr>
-                      <m:t> </m:t>
-                    </m:r>
-                    <m:r>
-                      <a:rPr lang="en-US" sz="1600" b="0" i="1" smtClean="0">
-                        <a:latin typeface="Cambria Math" panose="02040503050406030204" pitchFamily="18" charset="0"/>
-                      </a:rPr>
-                      <m:t>𝑤h𝑒𝑟𝑒</m:t>
-                    </m:r>
-                    <m:sSubSup>
-                      <m:sSubSupPr>
-                        <m:ctrlPr>
-                          <a:rPr lang="en-US" sz="1600" i="1">
-                            <a:latin typeface="Cambria Math" panose="02040503050406030204" pitchFamily="18" charset="0"/>
-                          </a:rPr>
-                        </m:ctrlPr>
-                      </m:sSubSupPr>
-                      <m:e>
-                        <m:r>
-                          <a:rPr lang="en-US" sz="1600" i="1">
-                            <a:latin typeface="Cambria Math" panose="02040503050406030204" pitchFamily="18" charset="0"/>
-                          </a:rPr>
-                          <m:t>𝑁</m:t>
-                        </m:r>
-                      </m:e>
-                      <m:sub>
-                        <m:r>
-                          <a:rPr lang="en-US" sz="1600" i="1">
-                            <a:latin typeface="Cambria Math" panose="02040503050406030204" pitchFamily="18" charset="0"/>
-                          </a:rPr>
-                          <m:t>𝑄𝐶𝐷𝑒𝑥𝑡</m:t>
-                        </m:r>
-                      </m:sub>
-                      <m:sup>
-                        <m:r>
-                          <a:rPr lang="en-US" sz="1600" i="1">
-                            <a:latin typeface="Cambria Math" panose="02040503050406030204" pitchFamily="18" charset="0"/>
-                          </a:rPr>
-                          <m:t>0</m:t>
-                        </m:r>
-                      </m:sup>
-                    </m:sSubSup>
-                    <m:r>
-                      <a:rPr lang="en-US" sz="1600" b="0" i="1" smtClean="0">
-                        <a:latin typeface="Cambria Math" panose="02040503050406030204" pitchFamily="18" charset="0"/>
-                      </a:rPr>
-                      <m:t>=</m:t>
-                    </m:r>
-                    <m:sSubSup>
-                      <m:sSubSupPr>
-                        <m:ctrlPr>
-                          <a:rPr lang="en-US" sz="1600" b="0" i="1" smtClean="0">
-                            <a:latin typeface="Cambria Math" panose="02040503050406030204" pitchFamily="18" charset="0"/>
-                          </a:rPr>
-                        </m:ctrlPr>
-                      </m:sSubSupPr>
-                      <m:e>
-                        <m:r>
-                          <a:rPr lang="en-US" sz="1600" b="0" i="1" smtClean="0">
-                            <a:latin typeface="Cambria Math" panose="02040503050406030204" pitchFamily="18" charset="0"/>
-                          </a:rPr>
-                          <m:t>𝐷</m:t>
-                        </m:r>
-                      </m:e>
-                      <m:sub>
-                        <m:r>
-                          <a:rPr lang="en-US" sz="1600" b="0" i="1" smtClean="0">
-                            <a:latin typeface="Cambria Math" panose="02040503050406030204" pitchFamily="18" charset="0"/>
-                          </a:rPr>
-                          <m:t>𝑟𝑒𝑑</m:t>
-                        </m:r>
-                      </m:sub>
-                      <m:sup>
-                        <m:r>
-                          <a:rPr lang="en-US" sz="1600" b="0" i="1" smtClean="0">
-                            <a:latin typeface="Cambria Math" panose="02040503050406030204" pitchFamily="18" charset="0"/>
-                          </a:rPr>
-                          <m:t>0</m:t>
-                        </m:r>
-                      </m:sup>
-                    </m:sSubSup>
-                    <m:r>
-                      <a:rPr lang="en-US" sz="1600" b="0" i="1" smtClean="0">
-                        <a:latin typeface="Cambria Math" panose="02040503050406030204" pitchFamily="18" charset="0"/>
-                      </a:rPr>
-                      <m:t>−</m:t>
-                    </m:r>
-                    <m:r>
-                      <a:rPr lang="en-US" sz="1600" b="0" i="1" smtClean="0">
-                        <a:latin typeface="Cambria Math" panose="02040503050406030204" pitchFamily="18" charset="0"/>
-                      </a:rPr>
-                      <m:t>𝑇</m:t>
-                    </m:r>
-                    <m:sSubSup>
-                      <m:sSubSupPr>
-                        <m:ctrlPr>
-                          <a:rPr lang="en-US" sz="1600" b="0" i="1" smtClean="0">
-                            <a:latin typeface="Cambria Math" panose="02040503050406030204" pitchFamily="18" charset="0"/>
-                          </a:rPr>
-                        </m:ctrlPr>
-                      </m:sSubSupPr>
-                      <m:e>
-                        <m:r>
-                          <a:rPr lang="en-US" sz="1600" b="0" i="1" smtClean="0">
-                            <a:latin typeface="Cambria Math" panose="02040503050406030204" pitchFamily="18" charset="0"/>
-                          </a:rPr>
-                          <m:t>𝑇</m:t>
-                        </m:r>
-                      </m:e>
-                      <m:sub>
-                        <m:r>
-                          <a:rPr lang="en-US" sz="1600" b="0" i="1" smtClean="0">
-                            <a:latin typeface="Cambria Math" panose="02040503050406030204" pitchFamily="18" charset="0"/>
-                          </a:rPr>
-                          <m:t>𝑀𝐶</m:t>
-                        </m:r>
-                        <m:r>
-                          <a:rPr lang="en-US" sz="1600" b="0" i="1" smtClean="0">
-                            <a:latin typeface="Cambria Math" panose="02040503050406030204" pitchFamily="18" charset="0"/>
-                          </a:rPr>
-                          <m:t>, </m:t>
-                        </m:r>
-                        <m:r>
-                          <a:rPr lang="en-US" sz="1600" b="0" i="1" smtClean="0">
-                            <a:latin typeface="Cambria Math" panose="02040503050406030204" pitchFamily="18" charset="0"/>
-                          </a:rPr>
-                          <m:t>𝑟𝑒𝑑</m:t>
-                        </m:r>
-                      </m:sub>
-                      <m:sup>
-                        <m:r>
-                          <a:rPr lang="en-US" sz="1600" b="0" i="1" smtClean="0">
-                            <a:latin typeface="Cambria Math" panose="02040503050406030204" pitchFamily="18" charset="0"/>
-                          </a:rPr>
-                          <m:t>(0)</m:t>
-                        </m:r>
-                      </m:sup>
-                    </m:sSubSup>
-                  </m:oMath>
-                </a14:m>
-                <a:r>
-                  <a:rPr lang="en-US" sz="1600" dirty="0"/>
-                  <a:t> </a:t>
+                  <a:t> and NQCD in Reduced SR</a:t>
                 </a:r>
               </a:p>
             </p:txBody>
@@ -12810,7 +13297,7 @@
             <p:spPr>
               <a:xfrm>
                 <a:off x="183828" y="3578966"/>
-                <a:ext cx="11708016" cy="673133"/>
+                <a:ext cx="11708016" cy="645048"/>
               </a:xfrm>
               <a:prstGeom prst="rect">
                 <a:avLst/>
@@ -12818,7 +13305,7 @@
               <a:blipFill>
                 <a:blip r:embed="rId5"/>
                 <a:stretch>
-                  <a:fillRect l="-108"/>
+                  <a:fillRect l="-108" b="-1923"/>
                 </a:stretch>
               </a:blipFill>
             </p:spPr>
@@ -12850,7 +13337,7 @@
 </p:sld>
 </file>
 
-<file path=ppt/slides/slide5.xml><?xml version="1.0" encoding="utf-8"?>
+<file path=ppt/slides/slide6.xml><?xml version="1.0" encoding="utf-8"?>
 <p:sld xmlns:a="http://schemas.openxmlformats.org/drawingml/2006/main" xmlns:r="http://schemas.openxmlformats.org/officeDocument/2006/relationships" xmlns:p="http://schemas.openxmlformats.org/presentationml/2006/main">
   <p:cSld>
     <p:spTree>
@@ -12953,7 +13440,7 @@
           <a:p>
             <a:r>
               <a:rPr lang="en-US" sz="2800" u="sng" dirty="0"/>
-              <a:t>Transfer Factor Calculation (Method 1)</a:t>
+              <a:t>Transfer Factor Calculation</a:t>
             </a:r>
             <a:endParaRPr lang="en-GB" sz="2800" u="sng" dirty="0"/>
           </a:p>
@@ -12983,7 +13470,7 @@
             <a:fld id="{4FAB73BC-B049-4115-A692-8D63A059BFB8}" type="slidenum">
               <a:rPr lang="en-US" smtClean="0"/>
               <a:pPr/>
-              <a:t>5</a:t>
+              <a:t>6</a:t>
             </a:fld>
             <a:endParaRPr lang="en-US" dirty="0"/>
           </a:p>
@@ -13012,7 +13499,7 @@
           <a:p>
             <a:fld id="{863596AC-079A-914A-A4AA-F10BF720D55E}" type="datetime1">
               <a:rPr lang="en-US" smtClean="0"/>
-              <a:t>12/5/19</a:t>
+              <a:t>12/6/19</a:t>
             </a:fld>
             <a:endParaRPr lang="en-US" dirty="0"/>
           </a:p>
@@ -15105,6 +15592,96 @@
           </a:p>
         </p:txBody>
       </p:sp>
+      <p:sp>
+        <p:nvSpPr>
+          <p:cNvPr id="4" name="Rectangle 3">
+            <a:extLst>
+              <a:ext uri="{FF2B5EF4-FFF2-40B4-BE49-F238E27FC236}">
+                <a16:creationId xmlns:a16="http://schemas.microsoft.com/office/drawing/2014/main" id="{48C106CB-DCA6-CB4B-9627-D0B26892FE46}"/>
+              </a:ext>
+            </a:extLst>
+          </p:cNvPr>
+          <p:cNvSpPr/>
+          <p:nvPr/>
+        </p:nvSpPr>
+        <p:spPr>
+          <a:xfrm>
+            <a:off x="7354459" y="4825323"/>
+            <a:ext cx="2608406" cy="1015663"/>
+          </a:xfrm>
+          <a:prstGeom prst="rect">
+            <a:avLst/>
+          </a:prstGeom>
+          <a:noFill/>
+          <a:ln w="25400">
+            <a:solidFill>
+              <a:schemeClr val="tx1">
+                <a:lumMod val="95000"/>
+                <a:lumOff val="5000"/>
+              </a:schemeClr>
+            </a:solidFill>
+          </a:ln>
+        </p:spPr>
+        <p:txBody>
+          <a:bodyPr wrap="none">
+            <a:spAutoFit/>
+          </a:bodyPr>
+          <a:lstStyle/>
+          <a:p>
+            <a:r>
+              <a:rPr lang="en-US" sz="1500" b="1" u="sng" dirty="0">
+                <a:solidFill>
+                  <a:srgbClr val="000000"/>
+                </a:solidFill>
+                <a:latin typeface="Menlo" panose="020B0609030804020204" pitchFamily="49" charset="0"/>
+              </a:rPr>
+              <a:t>NQCD in Reduced (SR):</a:t>
+            </a:r>
+          </a:p>
+          <a:p>
+            <a:r>
+              <a:rPr lang="en-US" sz="1500" dirty="0">
+                <a:solidFill>
+                  <a:srgbClr val="00B0F0"/>
+                </a:solidFill>
+                <a:latin typeface="Menlo" panose="020B0609030804020204" pitchFamily="49" charset="0"/>
+              </a:rPr>
+              <a:t>2016: 846.365</a:t>
+            </a:r>
+          </a:p>
+          <a:p>
+            <a:r>
+              <a:rPr lang="en-US" sz="1500" dirty="0">
+                <a:solidFill>
+                  <a:srgbClr val="FF0000"/>
+                </a:solidFill>
+                <a:latin typeface="Menlo" panose="020B0609030804020204" pitchFamily="49" charset="0"/>
+              </a:rPr>
+              <a:t>2017: 677.041</a:t>
+            </a:r>
+          </a:p>
+          <a:p>
+            <a:r>
+              <a:rPr lang="en-US" sz="1500" dirty="0">
+                <a:solidFill>
+                  <a:srgbClr val="00B050"/>
+                </a:solidFill>
+                <a:latin typeface="Menlo" panose="020B0609030804020204" pitchFamily="49" charset="0"/>
+              </a:rPr>
+              <a:t>2018: 1201.35</a:t>
+            </a:r>
+            <a:r>
+              <a:rPr lang="en-US" sz="1500" dirty="0">
+                <a:solidFill>
+                  <a:srgbClr val="000000"/>
+                </a:solidFill>
+                <a:latin typeface="Menlo" panose="020B0609030804020204" pitchFamily="49" charset="0"/>
+              </a:rPr>
+              <a:t> </a:t>
+            </a:r>
+          </a:p>
+        </p:txBody>
+      </p:sp>
     </p:spTree>
     <p:extLst>
       <p:ext uri="{BB962C8B-B14F-4D97-AF65-F5344CB8AC3E}">
@@ -15118,7 +15695,7 @@
 </p:sld>
 </file>
 
-<file path=ppt/slides/slide6.xml><?xml version="1.0" encoding="utf-8"?>
+<file path=ppt/slides/slide7.xml><?xml version="1.0" encoding="utf-8"?>
 <p:sld xmlns:a="http://schemas.openxmlformats.org/drawingml/2006/main" xmlns:r="http://schemas.openxmlformats.org/officeDocument/2006/relationships" xmlns:p="http://schemas.openxmlformats.org/presentationml/2006/main">
   <p:cSld>
     <p:spTree>
@@ -15221,7 +15798,7 @@
           <a:p>
             <a:r>
               <a:rPr lang="en-GB" sz="2800" u="sng" dirty="0"/>
-              <a:t>Fiducial Measurements (jetPt0)</a:t>
+              <a:t>Fiducial Measurements (jetPt0) ABCD method and </a:t>
             </a:r>
           </a:p>
         </p:txBody>
@@ -15370,7 +15947,7 @@
             <a:fld id="{4FAB73BC-B049-4115-A692-8D63A059BFB8}" type="slidenum">
               <a:rPr lang="en-US" smtClean="0"/>
               <a:pPr/>
-              <a:t>6</a:t>
+              <a:t>7</a:t>
             </a:fld>
             <a:endParaRPr lang="en-US" dirty="0"/>
           </a:p>
@@ -15442,7 +16019,7 @@
           <a:p>
             <a:fld id="{863596AC-079A-914A-A4AA-F10BF720D55E}" type="datetime1">
               <a:rPr lang="en-US" smtClean="0"/>
-              <a:t>12/5/19</a:t>
+              <a:t>12/6/19</a:t>
             </a:fld>
             <a:endParaRPr lang="en-US" dirty="0"/>
           </a:p>
@@ -15465,7 +16042,7 @@
         <p:spPr>
           <a:xfrm>
             <a:off x="4002403" y="0"/>
-            <a:ext cx="0" cy="6300788"/>
+            <a:ext cx="0" cy="5049078"/>
           </a:xfrm>
           <a:prstGeom prst="line">
             <a:avLst/>
@@ -15506,9 +16083,9 @@
           <p:nvPr/>
         </p:nvCxnSpPr>
         <p:spPr>
-          <a:xfrm>
+          <a:xfrm flipH="1">
             <a:off x="7974333" y="0"/>
-            <a:ext cx="0" cy="6300788"/>
+            <a:ext cx="1" cy="5049078"/>
           </a:xfrm>
           <a:prstGeom prst="line">
             <a:avLst/>
@@ -15551,7 +16128,7 @@
         <p:spPr>
           <a:xfrm>
             <a:off x="8055292" y="0"/>
-            <a:ext cx="0" cy="6300788"/>
+            <a:ext cx="0" cy="5049078"/>
           </a:xfrm>
           <a:prstGeom prst="line">
             <a:avLst/>
@@ -15593,7 +16170,7 @@
         </p:nvCxnSpPr>
         <p:spPr>
           <a:xfrm>
-            <a:off x="12008171" y="14288"/>
+            <a:off x="12051035" y="14288"/>
             <a:ext cx="0" cy="6300788"/>
           </a:xfrm>
           <a:prstGeom prst="line">
@@ -15637,7 +16214,7 @@
         <p:spPr>
           <a:xfrm>
             <a:off x="3935730" y="0"/>
-            <a:ext cx="0" cy="6300788"/>
+            <a:ext cx="0" cy="5049078"/>
           </a:xfrm>
           <a:prstGeom prst="line">
             <a:avLst/>
@@ -15663,10 +16240,1499 @@
           </a:fontRef>
         </p:style>
       </p:cxnSp>
+      <p:pic>
+        <p:nvPicPr>
+          <p:cNvPr id="4" name="Picture 3">
+            <a:extLst>
+              <a:ext uri="{FF2B5EF4-FFF2-40B4-BE49-F238E27FC236}">
+                <a16:creationId xmlns:a16="http://schemas.microsoft.com/office/drawing/2014/main" id="{04198F17-8C14-6741-9D28-B06FF376E560}"/>
+              </a:ext>
+            </a:extLst>
+          </p:cNvPr>
+          <p:cNvPicPr>
+            <a:picLocks noChangeAspect="1"/>
+          </p:cNvPicPr>
+          <p:nvPr/>
+        </p:nvPicPr>
+        <p:blipFill>
+          <a:blip r:embed="rId2"/>
+          <a:stretch>
+            <a:fillRect/>
+          </a:stretch>
+        </p:blipFill>
+        <p:spPr>
+          <a:xfrm rot="5400000">
+            <a:off x="594231" y="1314257"/>
+            <a:ext cx="2752979" cy="3816477"/>
+          </a:xfrm>
+          <a:prstGeom prst="rect">
+            <a:avLst/>
+          </a:prstGeom>
+        </p:spPr>
+      </p:pic>
+      <p:pic>
+        <p:nvPicPr>
+          <p:cNvPr id="6" name="Picture 5">
+            <a:extLst>
+              <a:ext uri="{FF2B5EF4-FFF2-40B4-BE49-F238E27FC236}">
+                <a16:creationId xmlns:a16="http://schemas.microsoft.com/office/drawing/2014/main" id="{AD85B36E-16D7-8B42-8D56-6BF4939F44C9}"/>
+              </a:ext>
+            </a:extLst>
+          </p:cNvPr>
+          <p:cNvPicPr>
+            <a:picLocks noChangeAspect="1"/>
+          </p:cNvPicPr>
+          <p:nvPr/>
+        </p:nvPicPr>
+        <p:blipFill>
+          <a:blip r:embed="rId3"/>
+          <a:stretch>
+            <a:fillRect/>
+          </a:stretch>
+        </p:blipFill>
+        <p:spPr>
+          <a:xfrm rot="5400000">
+            <a:off x="4670554" y="1314257"/>
+            <a:ext cx="2752979" cy="3816477"/>
+          </a:xfrm>
+          <a:prstGeom prst="rect">
+            <a:avLst/>
+          </a:prstGeom>
+        </p:spPr>
+      </p:pic>
+      <p:pic>
+        <p:nvPicPr>
+          <p:cNvPr id="8" name="Picture 7">
+            <a:extLst>
+              <a:ext uri="{FF2B5EF4-FFF2-40B4-BE49-F238E27FC236}">
+                <a16:creationId xmlns:a16="http://schemas.microsoft.com/office/drawing/2014/main" id="{15368921-7C0E-2349-A159-721A2918117B}"/>
+              </a:ext>
+            </a:extLst>
+          </p:cNvPr>
+          <p:cNvPicPr>
+            <a:picLocks noChangeAspect="1"/>
+          </p:cNvPicPr>
+          <p:nvPr/>
+        </p:nvPicPr>
+        <p:blipFill>
+          <a:blip r:embed="rId4"/>
+          <a:stretch>
+            <a:fillRect/>
+          </a:stretch>
+        </p:blipFill>
+        <p:spPr>
+          <a:xfrm rot="5400000">
+            <a:off x="8694867" y="1314257"/>
+            <a:ext cx="2752979" cy="3816477"/>
+          </a:xfrm>
+          <a:prstGeom prst="rect">
+            <a:avLst/>
+          </a:prstGeom>
+        </p:spPr>
+      </p:pic>
+      <p:sp>
+        <p:nvSpPr>
+          <p:cNvPr id="32" name="TextBox 31">
+            <a:extLst>
+              <a:ext uri="{FF2B5EF4-FFF2-40B4-BE49-F238E27FC236}">
+                <a16:creationId xmlns:a16="http://schemas.microsoft.com/office/drawing/2014/main" id="{14AAE8B1-BB6C-3F4A-AC09-A96BAFF40E7D}"/>
+              </a:ext>
+            </a:extLst>
+          </p:cNvPr>
+          <p:cNvSpPr txBox="1"/>
+          <p:nvPr/>
+        </p:nvSpPr>
+        <p:spPr>
+          <a:xfrm>
+            <a:off x="62482" y="5118375"/>
+            <a:ext cx="11783048" cy="923330"/>
+          </a:xfrm>
+          <a:prstGeom prst="rect">
+            <a:avLst/>
+          </a:prstGeom>
+          <a:noFill/>
+        </p:spPr>
+        <p:txBody>
+          <a:bodyPr wrap="square" rtlCol="0">
+            <a:spAutoFit/>
+          </a:bodyPr>
+          <a:lstStyle/>
+          <a:p>
+            <a:pPr marL="285750" indent="-285750">
+              <a:buFont typeface="Arial" panose="020B0604020202020204" pitchFamily="34" charset="0"/>
+              <a:buChar char="•"/>
+            </a:pPr>
+            <a:r>
+              <a:rPr lang="en-US" dirty="0"/>
+              <a:t>Output is not consistent with what we expected </a:t>
+            </a:r>
+          </a:p>
+          <a:p>
+            <a:pPr marL="742950" lvl="1" indent="-285750">
+              <a:buFont typeface="Arial" panose="020B0604020202020204" pitchFamily="34" charset="0"/>
+              <a:buChar char="•"/>
+            </a:pPr>
+            <a:r>
+              <a:rPr lang="en-US" dirty="0"/>
+              <a:t>We expect r </a:t>
+            </a:r>
+            <a:r>
+              <a:rPr lang="en-US" dirty="0">
+                <a:solidFill>
+                  <a:srgbClr val="00B0F0"/>
+                </a:solidFill>
+              </a:rPr>
+              <a:t>~ 0.85 for 2016</a:t>
+            </a:r>
+            <a:r>
+              <a:rPr lang="en-US" dirty="0"/>
+              <a:t>, </a:t>
+            </a:r>
+            <a:r>
+              <a:rPr lang="en-US" dirty="0">
+                <a:solidFill>
+                  <a:srgbClr val="FF0000"/>
+                </a:solidFill>
+              </a:rPr>
+              <a:t>~0.58 for 2017</a:t>
+            </a:r>
+            <a:r>
+              <a:rPr lang="en-US" dirty="0"/>
+              <a:t> and </a:t>
+            </a:r>
+            <a:r>
+              <a:rPr lang="en-US" dirty="0">
+                <a:solidFill>
+                  <a:srgbClr val="00B050"/>
+                </a:solidFill>
+              </a:rPr>
+              <a:t>~0.63 for 2018</a:t>
+            </a:r>
+          </a:p>
+          <a:p>
+            <a:pPr marL="742950" lvl="1" indent="-285750">
+              <a:buFont typeface="Arial" panose="020B0604020202020204" pitchFamily="34" charset="0"/>
+              <a:buChar char="•"/>
+            </a:pPr>
+            <a:r>
+              <a:rPr lang="en-US" dirty="0" err="1"/>
+              <a:t>Nqcd</a:t>
+            </a:r>
+            <a:r>
+              <a:rPr lang="en-US" dirty="0"/>
+              <a:t> in SR reduced probably the problem </a:t>
+            </a:r>
+          </a:p>
+        </p:txBody>
+      </p:sp>
     </p:spTree>
     <p:extLst>
       <p:ext uri="{BB962C8B-B14F-4D97-AF65-F5344CB8AC3E}">
         <p14:creationId xmlns:p14="http://schemas.microsoft.com/office/powerpoint/2010/main" val="919335657"/>
+      </p:ext>
+    </p:extLst>
+  </p:cSld>
+  <p:clrMapOvr>
+    <a:masterClrMapping/>
+  </p:clrMapOvr>
+</p:sld>
+</file>
+
+<file path=ppt/slides/slide8.xml><?xml version="1.0" encoding="utf-8"?>
+<p:sld xmlns:a="http://schemas.openxmlformats.org/drawingml/2006/main" xmlns:r="http://schemas.openxmlformats.org/officeDocument/2006/relationships" xmlns:p="http://schemas.openxmlformats.org/presentationml/2006/main">
+  <p:cSld>
+    <p:spTree>
+      <p:nvGrpSpPr>
+        <p:cNvPr id="1" name=""/>
+        <p:cNvGrpSpPr/>
+        <p:nvPr/>
+      </p:nvGrpSpPr>
+      <p:grpSpPr>
+        <a:xfrm>
+          <a:off x="0" y="0"/>
+          <a:ext cx="0" cy="0"/>
+          <a:chOff x="0" y="0"/>
+          <a:chExt cx="0" cy="0"/>
+        </a:xfrm>
+      </p:grpSpPr>
+      <p:sp>
+        <p:nvSpPr>
+          <p:cNvPr id="11" name="Footer Placeholder 7">
+            <a:extLst>
+              <a:ext uri="{FF2B5EF4-FFF2-40B4-BE49-F238E27FC236}">
+                <a16:creationId xmlns:a16="http://schemas.microsoft.com/office/drawing/2014/main" id="{59E26047-BD3C-504E-B955-20FE5C8AA1AA}"/>
+              </a:ext>
+            </a:extLst>
+          </p:cNvPr>
+          <p:cNvSpPr>
+            <a:spLocks noGrp="1"/>
+          </p:cNvSpPr>
+          <p:nvPr>
+            <p:ph type="ftr" sz="quarter" idx="11"/>
+          </p:nvPr>
+        </p:nvSpPr>
+        <p:spPr>
+          <a:xfrm>
+            <a:off x="3686185" y="6459785"/>
+            <a:ext cx="4822804" cy="365125"/>
+          </a:xfrm>
+        </p:spPr>
+        <p:txBody>
+          <a:bodyPr/>
+          <a:lstStyle/>
+          <a:p>
+            <a:r>
+              <a:rPr lang="fi-FI"/>
+              <a:t>NTUA G. Bakas</a:t>
+            </a:r>
+            <a:endParaRPr lang="en-US" dirty="0"/>
+          </a:p>
+        </p:txBody>
+      </p:sp>
+      <p:sp>
+        <p:nvSpPr>
+          <p:cNvPr id="12" name="Title 4">
+            <a:extLst>
+              <a:ext uri="{FF2B5EF4-FFF2-40B4-BE49-F238E27FC236}">
+                <a16:creationId xmlns:a16="http://schemas.microsoft.com/office/drawing/2014/main" id="{CCE472BB-DFA4-B349-8F30-2673C528FF7C}"/>
+              </a:ext>
+            </a:extLst>
+          </p:cNvPr>
+          <p:cNvSpPr txBox="1">
+            <a:spLocks/>
+          </p:cNvSpPr>
+          <p:nvPr/>
+        </p:nvSpPr>
+        <p:spPr>
+          <a:xfrm>
+            <a:off x="0" y="72102"/>
+            <a:ext cx="10520413" cy="512916"/>
+          </a:xfrm>
+          <a:prstGeom prst="rect">
+            <a:avLst/>
+          </a:prstGeom>
+        </p:spPr>
+        <p:txBody>
+          <a:bodyPr vert="horz" lIns="91440" tIns="45720" rIns="91440" bIns="45720" rtlCol="0" anchor="b">
+            <a:noAutofit/>
+          </a:bodyPr>
+          <a:lstStyle>
+            <a:lvl1pPr algn="l" defTabSz="914400" rtl="0" eaLnBrk="1" latinLnBrk="0" hangingPunct="1">
+              <a:lnSpc>
+                <a:spcPct val="85000"/>
+              </a:lnSpc>
+              <a:spcBef>
+                <a:spcPct val="0"/>
+              </a:spcBef>
+              <a:buNone/>
+              <a:defRPr sz="4800" kern="1200" spc="-50" baseline="0">
+                <a:solidFill>
+                  <a:schemeClr val="tx1">
+                    <a:lumMod val="75000"/>
+                    <a:lumOff val="25000"/>
+                  </a:schemeClr>
+                </a:solidFill>
+                <a:latin typeface="+mj-lt"/>
+                <a:ea typeface="+mj-ea"/>
+                <a:cs typeface="+mj-cs"/>
+              </a:defRPr>
+            </a:lvl1pPr>
+          </a:lstStyle>
+          <a:p>
+            <a:r>
+              <a:rPr lang="en-GB" sz="2800" u="sng" dirty="0"/>
+              <a:t>Fiducial Measurements (</a:t>
+            </a:r>
+            <a:r>
+              <a:rPr lang="en-GB" sz="2800" u="sng" dirty="0" err="1"/>
+              <a:t>mJJ</a:t>
+            </a:r>
+            <a:r>
+              <a:rPr lang="en-GB" sz="2800" u="sng" dirty="0"/>
+              <a:t>)</a:t>
+            </a:r>
+          </a:p>
+        </p:txBody>
+      </p:sp>
+      <p:sp>
+        <p:nvSpPr>
+          <p:cNvPr id="24" name="TextBox 23">
+            <a:extLst>
+              <a:ext uri="{FF2B5EF4-FFF2-40B4-BE49-F238E27FC236}">
+                <a16:creationId xmlns:a16="http://schemas.microsoft.com/office/drawing/2014/main" id="{6467259F-D55B-834E-9B9E-F410C9440440}"/>
+              </a:ext>
+            </a:extLst>
+          </p:cNvPr>
+          <p:cNvSpPr txBox="1"/>
+          <p:nvPr/>
+        </p:nvSpPr>
+        <p:spPr>
+          <a:xfrm>
+            <a:off x="1131570" y="1136599"/>
+            <a:ext cx="2057400" cy="369332"/>
+          </a:xfrm>
+          <a:prstGeom prst="rect">
+            <a:avLst/>
+          </a:prstGeom>
+          <a:noFill/>
+        </p:spPr>
+        <p:txBody>
+          <a:bodyPr wrap="square" rtlCol="0">
+            <a:spAutoFit/>
+          </a:bodyPr>
+          <a:lstStyle/>
+          <a:p>
+            <a:pPr algn="ctr"/>
+            <a:r>
+              <a:rPr lang="en-US" dirty="0">
+                <a:solidFill>
+                  <a:srgbClr val="00B0F0"/>
+                </a:solidFill>
+              </a:rPr>
+              <a:t>2016</a:t>
+            </a:r>
+          </a:p>
+        </p:txBody>
+      </p:sp>
+      <p:sp>
+        <p:nvSpPr>
+          <p:cNvPr id="25" name="TextBox 24">
+            <a:extLst>
+              <a:ext uri="{FF2B5EF4-FFF2-40B4-BE49-F238E27FC236}">
+                <a16:creationId xmlns:a16="http://schemas.microsoft.com/office/drawing/2014/main" id="{DE28F087-3562-8B49-AF03-25095E9C5C74}"/>
+              </a:ext>
+            </a:extLst>
+          </p:cNvPr>
+          <p:cNvSpPr txBox="1"/>
+          <p:nvPr/>
+        </p:nvSpPr>
+        <p:spPr>
+          <a:xfrm>
+            <a:off x="5067300" y="1136599"/>
+            <a:ext cx="2057400" cy="369332"/>
+          </a:xfrm>
+          <a:prstGeom prst="rect">
+            <a:avLst/>
+          </a:prstGeom>
+          <a:noFill/>
+        </p:spPr>
+        <p:txBody>
+          <a:bodyPr wrap="square" rtlCol="0">
+            <a:spAutoFit/>
+          </a:bodyPr>
+          <a:lstStyle/>
+          <a:p>
+            <a:pPr algn="ctr"/>
+            <a:r>
+              <a:rPr lang="en-US" dirty="0">
+                <a:solidFill>
+                  <a:srgbClr val="FF0000"/>
+                </a:solidFill>
+              </a:rPr>
+              <a:t>2017</a:t>
+            </a:r>
+          </a:p>
+        </p:txBody>
+      </p:sp>
+      <p:sp>
+        <p:nvSpPr>
+          <p:cNvPr id="26" name="TextBox 25">
+            <a:extLst>
+              <a:ext uri="{FF2B5EF4-FFF2-40B4-BE49-F238E27FC236}">
+                <a16:creationId xmlns:a16="http://schemas.microsoft.com/office/drawing/2014/main" id="{D81097FE-8411-3A41-813A-135B44833012}"/>
+              </a:ext>
+            </a:extLst>
+          </p:cNvPr>
+          <p:cNvSpPr txBox="1"/>
+          <p:nvPr/>
+        </p:nvSpPr>
+        <p:spPr>
+          <a:xfrm>
+            <a:off x="8871758" y="1134606"/>
+            <a:ext cx="2057400" cy="369332"/>
+          </a:xfrm>
+          <a:prstGeom prst="rect">
+            <a:avLst/>
+          </a:prstGeom>
+          <a:noFill/>
+        </p:spPr>
+        <p:txBody>
+          <a:bodyPr wrap="square" rtlCol="0">
+            <a:spAutoFit/>
+          </a:bodyPr>
+          <a:lstStyle/>
+          <a:p>
+            <a:pPr algn="ctr"/>
+            <a:r>
+              <a:rPr lang="en-US" dirty="0">
+                <a:solidFill>
+                  <a:srgbClr val="00B050"/>
+                </a:solidFill>
+              </a:rPr>
+              <a:t>2018</a:t>
+            </a:r>
+          </a:p>
+        </p:txBody>
+      </p:sp>
+      <p:sp>
+        <p:nvSpPr>
+          <p:cNvPr id="2" name="Slide Number Placeholder 1">
+            <a:extLst>
+              <a:ext uri="{FF2B5EF4-FFF2-40B4-BE49-F238E27FC236}">
+                <a16:creationId xmlns:a16="http://schemas.microsoft.com/office/drawing/2014/main" id="{2BDF07F2-8A31-6F41-9C54-4431125619C4}"/>
+              </a:ext>
+            </a:extLst>
+          </p:cNvPr>
+          <p:cNvSpPr>
+            <a:spLocks noGrp="1"/>
+          </p:cNvSpPr>
+          <p:nvPr>
+            <p:ph type="sldNum" sz="quarter" idx="12"/>
+          </p:nvPr>
+        </p:nvSpPr>
+        <p:spPr/>
+        <p:txBody>
+          <a:bodyPr/>
+          <a:lstStyle/>
+          <a:p>
+            <a:fld id="{4FAB73BC-B049-4115-A692-8D63A059BFB8}" type="slidenum">
+              <a:rPr lang="en-US" smtClean="0"/>
+              <a:pPr/>
+              <a:t>8</a:t>
+            </a:fld>
+            <a:endParaRPr lang="en-US" dirty="0"/>
+          </a:p>
+        </p:txBody>
+      </p:sp>
+      <p:cxnSp>
+        <p:nvCxnSpPr>
+          <p:cNvPr id="31" name="Straight Connector 30">
+            <a:extLst>
+              <a:ext uri="{FF2B5EF4-FFF2-40B4-BE49-F238E27FC236}">
+                <a16:creationId xmlns:a16="http://schemas.microsoft.com/office/drawing/2014/main" id="{39FD2651-9624-6645-A8FB-B6EDFBEACC24}"/>
+              </a:ext>
+            </a:extLst>
+          </p:cNvPr>
+          <p:cNvCxnSpPr>
+            <a:cxnSpLocks/>
+          </p:cNvCxnSpPr>
+          <p:nvPr/>
+        </p:nvCxnSpPr>
+        <p:spPr>
+          <a:xfrm>
+            <a:off x="30480" y="72102"/>
+            <a:ext cx="0" cy="6300788"/>
+          </a:xfrm>
+          <a:prstGeom prst="line">
+            <a:avLst/>
+          </a:prstGeom>
+          <a:ln w="25400">
+            <a:solidFill>
+              <a:srgbClr val="00B0F0"/>
+            </a:solidFill>
+          </a:ln>
+        </p:spPr>
+        <p:style>
+          <a:lnRef idx="1">
+            <a:schemeClr val="accent1"/>
+          </a:lnRef>
+          <a:fillRef idx="0">
+            <a:schemeClr val="accent1"/>
+          </a:fillRef>
+          <a:effectRef idx="0">
+            <a:schemeClr val="accent1"/>
+          </a:effectRef>
+          <a:fontRef idx="minor">
+            <a:schemeClr val="tx1"/>
+          </a:fontRef>
+        </p:style>
+      </p:cxnSp>
+      <p:sp>
+        <p:nvSpPr>
+          <p:cNvPr id="13" name="Date Placeholder 12">
+            <a:extLst>
+              <a:ext uri="{FF2B5EF4-FFF2-40B4-BE49-F238E27FC236}">
+                <a16:creationId xmlns:a16="http://schemas.microsoft.com/office/drawing/2014/main" id="{26FBEBE3-A9F2-CB4A-A555-BD1769498DB6}"/>
+              </a:ext>
+            </a:extLst>
+          </p:cNvPr>
+          <p:cNvSpPr>
+            <a:spLocks noGrp="1"/>
+          </p:cNvSpPr>
+          <p:nvPr>
+            <p:ph type="dt" sz="half" idx="10"/>
+          </p:nvPr>
+        </p:nvSpPr>
+        <p:spPr/>
+        <p:txBody>
+          <a:bodyPr/>
+          <a:lstStyle/>
+          <a:p>
+            <a:fld id="{863596AC-079A-914A-A4AA-F10BF720D55E}" type="datetime1">
+              <a:rPr lang="en-US" smtClean="0"/>
+              <a:t>12/6/19</a:t>
+            </a:fld>
+            <a:endParaRPr lang="en-US" dirty="0"/>
+          </a:p>
+        </p:txBody>
+      </p:sp>
+      <p:cxnSp>
+        <p:nvCxnSpPr>
+          <p:cNvPr id="27" name="Straight Connector 26">
+            <a:extLst>
+              <a:ext uri="{FF2B5EF4-FFF2-40B4-BE49-F238E27FC236}">
+                <a16:creationId xmlns:a16="http://schemas.microsoft.com/office/drawing/2014/main" id="{486E758F-A6A6-A949-AEA6-3614F17201C4}"/>
+              </a:ext>
+            </a:extLst>
+          </p:cNvPr>
+          <p:cNvCxnSpPr>
+            <a:cxnSpLocks/>
+          </p:cNvCxnSpPr>
+          <p:nvPr/>
+        </p:nvCxnSpPr>
+        <p:spPr>
+          <a:xfrm>
+            <a:off x="4002403" y="0"/>
+            <a:ext cx="0" cy="6300788"/>
+          </a:xfrm>
+          <a:prstGeom prst="line">
+            <a:avLst/>
+          </a:prstGeom>
+          <a:ln w="25400">
+            <a:solidFill>
+              <a:srgbClr val="FF0000"/>
+            </a:solidFill>
+          </a:ln>
+        </p:spPr>
+        <p:style>
+          <a:lnRef idx="1">
+            <a:schemeClr val="accent1"/>
+          </a:lnRef>
+          <a:fillRef idx="0">
+            <a:schemeClr val="accent1"/>
+          </a:fillRef>
+          <a:effectRef idx="0">
+            <a:schemeClr val="accent1"/>
+          </a:effectRef>
+          <a:fontRef idx="minor">
+            <a:schemeClr val="tx1"/>
+          </a:fontRef>
+        </p:style>
+      </p:cxnSp>
+      <p:cxnSp>
+        <p:nvCxnSpPr>
+          <p:cNvPr id="28" name="Straight Connector 27">
+            <a:extLst>
+              <a:ext uri="{FF2B5EF4-FFF2-40B4-BE49-F238E27FC236}">
+                <a16:creationId xmlns:a16="http://schemas.microsoft.com/office/drawing/2014/main" id="{58BF1060-8244-AA47-BC85-432273E489FD}"/>
+              </a:ext>
+            </a:extLst>
+          </p:cNvPr>
+          <p:cNvCxnSpPr>
+            <a:cxnSpLocks/>
+          </p:cNvCxnSpPr>
+          <p:nvPr/>
+        </p:nvCxnSpPr>
+        <p:spPr>
+          <a:xfrm>
+            <a:off x="7974333" y="0"/>
+            <a:ext cx="0" cy="6300788"/>
+          </a:xfrm>
+          <a:prstGeom prst="line">
+            <a:avLst/>
+          </a:prstGeom>
+          <a:ln w="25400">
+            <a:solidFill>
+              <a:srgbClr val="FF0000"/>
+            </a:solidFill>
+          </a:ln>
+        </p:spPr>
+        <p:style>
+          <a:lnRef idx="1">
+            <a:schemeClr val="accent1"/>
+          </a:lnRef>
+          <a:fillRef idx="0">
+            <a:schemeClr val="accent1"/>
+          </a:fillRef>
+          <a:effectRef idx="0">
+            <a:schemeClr val="accent1"/>
+          </a:effectRef>
+          <a:fontRef idx="minor">
+            <a:schemeClr val="tx1"/>
+          </a:fontRef>
+        </p:style>
+      </p:cxnSp>
+      <p:cxnSp>
+        <p:nvCxnSpPr>
+          <p:cNvPr id="29" name="Straight Connector 28">
+            <a:extLst>
+              <a:ext uri="{FF2B5EF4-FFF2-40B4-BE49-F238E27FC236}">
+                <a16:creationId xmlns:a16="http://schemas.microsoft.com/office/drawing/2014/main" id="{1E569388-2E39-4547-A8E9-ED16C21F2D62}"/>
+              </a:ext>
+            </a:extLst>
+          </p:cNvPr>
+          <p:cNvCxnSpPr>
+            <a:cxnSpLocks/>
+          </p:cNvCxnSpPr>
+          <p:nvPr/>
+        </p:nvCxnSpPr>
+        <p:spPr>
+          <a:xfrm>
+            <a:off x="8055292" y="0"/>
+            <a:ext cx="0" cy="6300788"/>
+          </a:xfrm>
+          <a:prstGeom prst="line">
+            <a:avLst/>
+          </a:prstGeom>
+          <a:ln w="25400">
+            <a:solidFill>
+              <a:srgbClr val="00B050"/>
+            </a:solidFill>
+          </a:ln>
+        </p:spPr>
+        <p:style>
+          <a:lnRef idx="1">
+            <a:schemeClr val="accent1"/>
+          </a:lnRef>
+          <a:fillRef idx="0">
+            <a:schemeClr val="accent1"/>
+          </a:fillRef>
+          <a:effectRef idx="0">
+            <a:schemeClr val="accent1"/>
+          </a:effectRef>
+          <a:fontRef idx="minor">
+            <a:schemeClr val="tx1"/>
+          </a:fontRef>
+        </p:style>
+      </p:cxnSp>
+      <p:cxnSp>
+        <p:nvCxnSpPr>
+          <p:cNvPr id="30" name="Straight Connector 29">
+            <a:extLst>
+              <a:ext uri="{FF2B5EF4-FFF2-40B4-BE49-F238E27FC236}">
+                <a16:creationId xmlns:a16="http://schemas.microsoft.com/office/drawing/2014/main" id="{117EBB5D-182A-9547-9463-4339A9CA0668}"/>
+              </a:ext>
+            </a:extLst>
+          </p:cNvPr>
+          <p:cNvCxnSpPr>
+            <a:cxnSpLocks/>
+          </p:cNvCxnSpPr>
+          <p:nvPr/>
+        </p:nvCxnSpPr>
+        <p:spPr>
+          <a:xfrm>
+            <a:off x="12036747" y="14288"/>
+            <a:ext cx="0" cy="6300788"/>
+          </a:xfrm>
+          <a:prstGeom prst="line">
+            <a:avLst/>
+          </a:prstGeom>
+          <a:ln w="25400">
+            <a:solidFill>
+              <a:srgbClr val="00B050"/>
+            </a:solidFill>
+          </a:ln>
+        </p:spPr>
+        <p:style>
+          <a:lnRef idx="1">
+            <a:schemeClr val="accent1"/>
+          </a:lnRef>
+          <a:fillRef idx="0">
+            <a:schemeClr val="accent1"/>
+          </a:fillRef>
+          <a:effectRef idx="0">
+            <a:schemeClr val="accent1"/>
+          </a:effectRef>
+          <a:fontRef idx="minor">
+            <a:schemeClr val="tx1"/>
+          </a:fontRef>
+        </p:style>
+      </p:cxnSp>
+      <p:cxnSp>
+        <p:nvCxnSpPr>
+          <p:cNvPr id="18" name="Straight Connector 17">
+            <a:extLst>
+              <a:ext uri="{FF2B5EF4-FFF2-40B4-BE49-F238E27FC236}">
+                <a16:creationId xmlns:a16="http://schemas.microsoft.com/office/drawing/2014/main" id="{FA0B9E01-6EBC-A743-8BF6-5BD64D58800A}"/>
+              </a:ext>
+            </a:extLst>
+          </p:cNvPr>
+          <p:cNvCxnSpPr>
+            <a:cxnSpLocks/>
+          </p:cNvCxnSpPr>
+          <p:nvPr/>
+        </p:nvCxnSpPr>
+        <p:spPr>
+          <a:xfrm>
+            <a:off x="3935730" y="0"/>
+            <a:ext cx="0" cy="6300788"/>
+          </a:xfrm>
+          <a:prstGeom prst="line">
+            <a:avLst/>
+          </a:prstGeom>
+          <a:ln w="25400">
+            <a:solidFill>
+              <a:srgbClr val="00B0F0"/>
+            </a:solidFill>
+          </a:ln>
+        </p:spPr>
+        <p:style>
+          <a:lnRef idx="1">
+            <a:schemeClr val="accent1"/>
+          </a:lnRef>
+          <a:fillRef idx="0">
+            <a:schemeClr val="accent1"/>
+          </a:fillRef>
+          <a:effectRef idx="0">
+            <a:schemeClr val="accent1"/>
+          </a:effectRef>
+          <a:fontRef idx="minor">
+            <a:schemeClr val="tx1"/>
+          </a:fontRef>
+        </p:style>
+      </p:cxnSp>
+      <p:pic>
+        <p:nvPicPr>
+          <p:cNvPr id="6" name="Picture 5">
+            <a:extLst>
+              <a:ext uri="{FF2B5EF4-FFF2-40B4-BE49-F238E27FC236}">
+                <a16:creationId xmlns:a16="http://schemas.microsoft.com/office/drawing/2014/main" id="{63806A53-DC43-4546-917A-A0D3C325B709}"/>
+              </a:ext>
+            </a:extLst>
+          </p:cNvPr>
+          <p:cNvPicPr>
+            <a:picLocks noChangeAspect="1"/>
+          </p:cNvPicPr>
+          <p:nvPr/>
+        </p:nvPicPr>
+        <p:blipFill>
+          <a:blip r:embed="rId2"/>
+          <a:stretch>
+            <a:fillRect/>
+          </a:stretch>
+        </p:blipFill>
+        <p:spPr>
+          <a:xfrm rot="5400000">
+            <a:off x="4580925" y="1500286"/>
+            <a:ext cx="2752979" cy="3816477"/>
+          </a:xfrm>
+          <a:prstGeom prst="rect">
+            <a:avLst/>
+          </a:prstGeom>
+        </p:spPr>
+      </p:pic>
+      <p:pic>
+        <p:nvPicPr>
+          <p:cNvPr id="8" name="Picture 7">
+            <a:extLst>
+              <a:ext uri="{FF2B5EF4-FFF2-40B4-BE49-F238E27FC236}">
+                <a16:creationId xmlns:a16="http://schemas.microsoft.com/office/drawing/2014/main" id="{397C6E14-9744-7044-9958-703FD566DE9E}"/>
+              </a:ext>
+            </a:extLst>
+          </p:cNvPr>
+          <p:cNvPicPr>
+            <a:picLocks noChangeAspect="1"/>
+          </p:cNvPicPr>
+          <p:nvPr/>
+        </p:nvPicPr>
+        <p:blipFill>
+          <a:blip r:embed="rId3"/>
+          <a:stretch>
+            <a:fillRect/>
+          </a:stretch>
+        </p:blipFill>
+        <p:spPr>
+          <a:xfrm rot="5400000">
+            <a:off x="8668000" y="1500286"/>
+            <a:ext cx="2752979" cy="3816477"/>
+          </a:xfrm>
+          <a:prstGeom prst="rect">
+            <a:avLst/>
+          </a:prstGeom>
+        </p:spPr>
+      </p:pic>
+      <p:pic>
+        <p:nvPicPr>
+          <p:cNvPr id="10" name="Picture 9">
+            <a:extLst>
+              <a:ext uri="{FF2B5EF4-FFF2-40B4-BE49-F238E27FC236}">
+                <a16:creationId xmlns:a16="http://schemas.microsoft.com/office/drawing/2014/main" id="{37AC7C74-6239-BE4C-9A7C-1D6616461E56}"/>
+              </a:ext>
+            </a:extLst>
+          </p:cNvPr>
+          <p:cNvPicPr>
+            <a:picLocks noChangeAspect="1"/>
+          </p:cNvPicPr>
+          <p:nvPr/>
+        </p:nvPicPr>
+        <p:blipFill>
+          <a:blip r:embed="rId4"/>
+          <a:stretch>
+            <a:fillRect/>
+          </a:stretch>
+        </p:blipFill>
+        <p:spPr>
+          <a:xfrm rot="5400000">
+            <a:off x="620802" y="1500286"/>
+            <a:ext cx="2752979" cy="3816477"/>
+          </a:xfrm>
+          <a:prstGeom prst="rect">
+            <a:avLst/>
+          </a:prstGeom>
+        </p:spPr>
+      </p:pic>
+    </p:spTree>
+    <p:extLst>
+      <p:ext uri="{BB962C8B-B14F-4D97-AF65-F5344CB8AC3E}">
+        <p14:creationId xmlns:p14="http://schemas.microsoft.com/office/powerpoint/2010/main" val="497573080"/>
+      </p:ext>
+    </p:extLst>
+  </p:cSld>
+  <p:clrMapOvr>
+    <a:masterClrMapping/>
+  </p:clrMapOvr>
+</p:sld>
+</file>
+
+<file path=ppt/slides/slide9.xml><?xml version="1.0" encoding="utf-8"?>
+<p:sld xmlns:a="http://schemas.openxmlformats.org/drawingml/2006/main" xmlns:r="http://schemas.openxmlformats.org/officeDocument/2006/relationships" xmlns:p="http://schemas.openxmlformats.org/presentationml/2006/main">
+  <p:cSld>
+    <p:spTree>
+      <p:nvGrpSpPr>
+        <p:cNvPr id="1" name=""/>
+        <p:cNvGrpSpPr/>
+        <p:nvPr/>
+      </p:nvGrpSpPr>
+      <p:grpSpPr>
+        <a:xfrm>
+          <a:off x="0" y="0"/>
+          <a:ext cx="0" cy="0"/>
+          <a:chOff x="0" y="0"/>
+          <a:chExt cx="0" cy="0"/>
+        </a:xfrm>
+      </p:grpSpPr>
+      <p:sp>
+        <p:nvSpPr>
+          <p:cNvPr id="11" name="Footer Placeholder 7">
+            <a:extLst>
+              <a:ext uri="{FF2B5EF4-FFF2-40B4-BE49-F238E27FC236}">
+                <a16:creationId xmlns:a16="http://schemas.microsoft.com/office/drawing/2014/main" id="{59E26047-BD3C-504E-B955-20FE5C8AA1AA}"/>
+              </a:ext>
+            </a:extLst>
+          </p:cNvPr>
+          <p:cNvSpPr>
+            <a:spLocks noGrp="1"/>
+          </p:cNvSpPr>
+          <p:nvPr>
+            <p:ph type="ftr" sz="quarter" idx="11"/>
+          </p:nvPr>
+        </p:nvSpPr>
+        <p:spPr>
+          <a:xfrm>
+            <a:off x="3686185" y="6459785"/>
+            <a:ext cx="4822804" cy="365125"/>
+          </a:xfrm>
+        </p:spPr>
+        <p:txBody>
+          <a:bodyPr/>
+          <a:lstStyle/>
+          <a:p>
+            <a:r>
+              <a:rPr lang="fi-FI"/>
+              <a:t>NTUA G. Bakas</a:t>
+            </a:r>
+            <a:endParaRPr lang="en-US" dirty="0"/>
+          </a:p>
+        </p:txBody>
+      </p:sp>
+      <p:sp>
+        <p:nvSpPr>
+          <p:cNvPr id="12" name="Title 4">
+            <a:extLst>
+              <a:ext uri="{FF2B5EF4-FFF2-40B4-BE49-F238E27FC236}">
+                <a16:creationId xmlns:a16="http://schemas.microsoft.com/office/drawing/2014/main" id="{CCE472BB-DFA4-B349-8F30-2673C528FF7C}"/>
+              </a:ext>
+            </a:extLst>
+          </p:cNvPr>
+          <p:cNvSpPr txBox="1">
+            <a:spLocks/>
+          </p:cNvSpPr>
+          <p:nvPr/>
+        </p:nvSpPr>
+        <p:spPr>
+          <a:xfrm>
+            <a:off x="0" y="72102"/>
+            <a:ext cx="10520413" cy="512916"/>
+          </a:xfrm>
+          <a:prstGeom prst="rect">
+            <a:avLst/>
+          </a:prstGeom>
+        </p:spPr>
+        <p:txBody>
+          <a:bodyPr vert="horz" lIns="91440" tIns="45720" rIns="91440" bIns="45720" rtlCol="0" anchor="b">
+            <a:noAutofit/>
+          </a:bodyPr>
+          <a:lstStyle>
+            <a:lvl1pPr algn="l" defTabSz="914400" rtl="0" eaLnBrk="1" latinLnBrk="0" hangingPunct="1">
+              <a:lnSpc>
+                <a:spcPct val="85000"/>
+              </a:lnSpc>
+              <a:spcBef>
+                <a:spcPct val="0"/>
+              </a:spcBef>
+              <a:buNone/>
+              <a:defRPr sz="4800" kern="1200" spc="-50" baseline="0">
+                <a:solidFill>
+                  <a:schemeClr val="tx1">
+                    <a:lumMod val="75000"/>
+                    <a:lumOff val="25000"/>
+                  </a:schemeClr>
+                </a:solidFill>
+                <a:latin typeface="+mj-lt"/>
+                <a:ea typeface="+mj-ea"/>
+                <a:cs typeface="+mj-cs"/>
+              </a:defRPr>
+            </a:lvl1pPr>
+          </a:lstStyle>
+          <a:p>
+            <a:r>
+              <a:rPr lang="en-GB" sz="2800" u="sng" dirty="0"/>
+              <a:t>Response Matrices (Unequal Binning, jetPt0)</a:t>
+            </a:r>
+          </a:p>
+        </p:txBody>
+      </p:sp>
+      <p:sp>
+        <p:nvSpPr>
+          <p:cNvPr id="24" name="TextBox 23">
+            <a:extLst>
+              <a:ext uri="{FF2B5EF4-FFF2-40B4-BE49-F238E27FC236}">
+                <a16:creationId xmlns:a16="http://schemas.microsoft.com/office/drawing/2014/main" id="{6467259F-D55B-834E-9B9E-F410C9440440}"/>
+              </a:ext>
+            </a:extLst>
+          </p:cNvPr>
+          <p:cNvSpPr txBox="1"/>
+          <p:nvPr/>
+        </p:nvSpPr>
+        <p:spPr>
+          <a:xfrm>
+            <a:off x="1131570" y="1136599"/>
+            <a:ext cx="2057400" cy="369332"/>
+          </a:xfrm>
+          <a:prstGeom prst="rect">
+            <a:avLst/>
+          </a:prstGeom>
+          <a:noFill/>
+        </p:spPr>
+        <p:txBody>
+          <a:bodyPr wrap="square" rtlCol="0">
+            <a:spAutoFit/>
+          </a:bodyPr>
+          <a:lstStyle/>
+          <a:p>
+            <a:pPr algn="ctr"/>
+            <a:r>
+              <a:rPr lang="en-US" dirty="0">
+                <a:solidFill>
+                  <a:srgbClr val="00B0F0"/>
+                </a:solidFill>
+              </a:rPr>
+              <a:t>2016</a:t>
+            </a:r>
+          </a:p>
+        </p:txBody>
+      </p:sp>
+      <p:sp>
+        <p:nvSpPr>
+          <p:cNvPr id="25" name="TextBox 24">
+            <a:extLst>
+              <a:ext uri="{FF2B5EF4-FFF2-40B4-BE49-F238E27FC236}">
+                <a16:creationId xmlns:a16="http://schemas.microsoft.com/office/drawing/2014/main" id="{DE28F087-3562-8B49-AF03-25095E9C5C74}"/>
+              </a:ext>
+            </a:extLst>
+          </p:cNvPr>
+          <p:cNvSpPr txBox="1"/>
+          <p:nvPr/>
+        </p:nvSpPr>
+        <p:spPr>
+          <a:xfrm>
+            <a:off x="5067300" y="1136599"/>
+            <a:ext cx="2057400" cy="369332"/>
+          </a:xfrm>
+          <a:prstGeom prst="rect">
+            <a:avLst/>
+          </a:prstGeom>
+          <a:noFill/>
+        </p:spPr>
+        <p:txBody>
+          <a:bodyPr wrap="square" rtlCol="0">
+            <a:spAutoFit/>
+          </a:bodyPr>
+          <a:lstStyle/>
+          <a:p>
+            <a:pPr algn="ctr"/>
+            <a:r>
+              <a:rPr lang="en-US" dirty="0">
+                <a:solidFill>
+                  <a:srgbClr val="FF0000"/>
+                </a:solidFill>
+              </a:rPr>
+              <a:t>2017</a:t>
+            </a:r>
+          </a:p>
+        </p:txBody>
+      </p:sp>
+      <p:sp>
+        <p:nvSpPr>
+          <p:cNvPr id="26" name="TextBox 25">
+            <a:extLst>
+              <a:ext uri="{FF2B5EF4-FFF2-40B4-BE49-F238E27FC236}">
+                <a16:creationId xmlns:a16="http://schemas.microsoft.com/office/drawing/2014/main" id="{D81097FE-8411-3A41-813A-135B44833012}"/>
+              </a:ext>
+            </a:extLst>
+          </p:cNvPr>
+          <p:cNvSpPr txBox="1"/>
+          <p:nvPr/>
+        </p:nvSpPr>
+        <p:spPr>
+          <a:xfrm>
+            <a:off x="8871758" y="1134606"/>
+            <a:ext cx="2057400" cy="369332"/>
+          </a:xfrm>
+          <a:prstGeom prst="rect">
+            <a:avLst/>
+          </a:prstGeom>
+          <a:noFill/>
+        </p:spPr>
+        <p:txBody>
+          <a:bodyPr wrap="square" rtlCol="0">
+            <a:spAutoFit/>
+          </a:bodyPr>
+          <a:lstStyle/>
+          <a:p>
+            <a:pPr algn="ctr"/>
+            <a:r>
+              <a:rPr lang="en-US" dirty="0">
+                <a:solidFill>
+                  <a:srgbClr val="00B050"/>
+                </a:solidFill>
+              </a:rPr>
+              <a:t>2018</a:t>
+            </a:r>
+          </a:p>
+        </p:txBody>
+      </p:sp>
+      <p:sp>
+        <p:nvSpPr>
+          <p:cNvPr id="2" name="Slide Number Placeholder 1">
+            <a:extLst>
+              <a:ext uri="{FF2B5EF4-FFF2-40B4-BE49-F238E27FC236}">
+                <a16:creationId xmlns:a16="http://schemas.microsoft.com/office/drawing/2014/main" id="{2BDF07F2-8A31-6F41-9C54-4431125619C4}"/>
+              </a:ext>
+            </a:extLst>
+          </p:cNvPr>
+          <p:cNvSpPr>
+            <a:spLocks noGrp="1"/>
+          </p:cNvSpPr>
+          <p:nvPr>
+            <p:ph type="sldNum" sz="quarter" idx="12"/>
+          </p:nvPr>
+        </p:nvSpPr>
+        <p:spPr/>
+        <p:txBody>
+          <a:bodyPr/>
+          <a:lstStyle/>
+          <a:p>
+            <a:fld id="{4FAB73BC-B049-4115-A692-8D63A059BFB8}" type="slidenum">
+              <a:rPr lang="en-US" smtClean="0"/>
+              <a:pPr/>
+              <a:t>9</a:t>
+            </a:fld>
+            <a:endParaRPr lang="en-US" dirty="0"/>
+          </a:p>
+        </p:txBody>
+      </p:sp>
+      <p:cxnSp>
+        <p:nvCxnSpPr>
+          <p:cNvPr id="31" name="Straight Connector 30">
+            <a:extLst>
+              <a:ext uri="{FF2B5EF4-FFF2-40B4-BE49-F238E27FC236}">
+                <a16:creationId xmlns:a16="http://schemas.microsoft.com/office/drawing/2014/main" id="{39FD2651-9624-6645-A8FB-B6EDFBEACC24}"/>
+              </a:ext>
+            </a:extLst>
+          </p:cNvPr>
+          <p:cNvCxnSpPr>
+            <a:cxnSpLocks/>
+          </p:cNvCxnSpPr>
+          <p:nvPr/>
+        </p:nvCxnSpPr>
+        <p:spPr>
+          <a:xfrm>
+            <a:off x="30480" y="72102"/>
+            <a:ext cx="0" cy="6300788"/>
+          </a:xfrm>
+          <a:prstGeom prst="line">
+            <a:avLst/>
+          </a:prstGeom>
+          <a:ln w="25400">
+            <a:solidFill>
+              <a:srgbClr val="00B0F0"/>
+            </a:solidFill>
+          </a:ln>
+        </p:spPr>
+        <p:style>
+          <a:lnRef idx="1">
+            <a:schemeClr val="accent1"/>
+          </a:lnRef>
+          <a:fillRef idx="0">
+            <a:schemeClr val="accent1"/>
+          </a:fillRef>
+          <a:effectRef idx="0">
+            <a:schemeClr val="accent1"/>
+          </a:effectRef>
+          <a:fontRef idx="minor">
+            <a:schemeClr val="tx1"/>
+          </a:fontRef>
+        </p:style>
+      </p:cxnSp>
+      <p:sp>
+        <p:nvSpPr>
+          <p:cNvPr id="13" name="Date Placeholder 12">
+            <a:extLst>
+              <a:ext uri="{FF2B5EF4-FFF2-40B4-BE49-F238E27FC236}">
+                <a16:creationId xmlns:a16="http://schemas.microsoft.com/office/drawing/2014/main" id="{26FBEBE3-A9F2-CB4A-A555-BD1769498DB6}"/>
+              </a:ext>
+            </a:extLst>
+          </p:cNvPr>
+          <p:cNvSpPr>
+            <a:spLocks noGrp="1"/>
+          </p:cNvSpPr>
+          <p:nvPr>
+            <p:ph type="dt" sz="half" idx="10"/>
+          </p:nvPr>
+        </p:nvSpPr>
+        <p:spPr/>
+        <p:txBody>
+          <a:bodyPr/>
+          <a:lstStyle/>
+          <a:p>
+            <a:fld id="{863596AC-079A-914A-A4AA-F10BF720D55E}" type="datetime1">
+              <a:rPr lang="en-US" smtClean="0"/>
+              <a:t>12/6/19</a:t>
+            </a:fld>
+            <a:endParaRPr lang="en-US" dirty="0"/>
+          </a:p>
+        </p:txBody>
+      </p:sp>
+      <p:cxnSp>
+        <p:nvCxnSpPr>
+          <p:cNvPr id="27" name="Straight Connector 26">
+            <a:extLst>
+              <a:ext uri="{FF2B5EF4-FFF2-40B4-BE49-F238E27FC236}">
+                <a16:creationId xmlns:a16="http://schemas.microsoft.com/office/drawing/2014/main" id="{486E758F-A6A6-A949-AEA6-3614F17201C4}"/>
+              </a:ext>
+            </a:extLst>
+          </p:cNvPr>
+          <p:cNvCxnSpPr>
+            <a:cxnSpLocks/>
+          </p:cNvCxnSpPr>
+          <p:nvPr/>
+        </p:nvCxnSpPr>
+        <p:spPr>
+          <a:xfrm>
+            <a:off x="4002403" y="0"/>
+            <a:ext cx="0" cy="6300788"/>
+          </a:xfrm>
+          <a:prstGeom prst="line">
+            <a:avLst/>
+          </a:prstGeom>
+          <a:ln w="25400">
+            <a:solidFill>
+              <a:srgbClr val="FF0000"/>
+            </a:solidFill>
+          </a:ln>
+        </p:spPr>
+        <p:style>
+          <a:lnRef idx="1">
+            <a:schemeClr val="accent1"/>
+          </a:lnRef>
+          <a:fillRef idx="0">
+            <a:schemeClr val="accent1"/>
+          </a:fillRef>
+          <a:effectRef idx="0">
+            <a:schemeClr val="accent1"/>
+          </a:effectRef>
+          <a:fontRef idx="minor">
+            <a:schemeClr val="tx1"/>
+          </a:fontRef>
+        </p:style>
+      </p:cxnSp>
+      <p:cxnSp>
+        <p:nvCxnSpPr>
+          <p:cNvPr id="28" name="Straight Connector 27">
+            <a:extLst>
+              <a:ext uri="{FF2B5EF4-FFF2-40B4-BE49-F238E27FC236}">
+                <a16:creationId xmlns:a16="http://schemas.microsoft.com/office/drawing/2014/main" id="{58BF1060-8244-AA47-BC85-432273E489FD}"/>
+              </a:ext>
+            </a:extLst>
+          </p:cNvPr>
+          <p:cNvCxnSpPr>
+            <a:cxnSpLocks/>
+          </p:cNvCxnSpPr>
+          <p:nvPr/>
+        </p:nvCxnSpPr>
+        <p:spPr>
+          <a:xfrm>
+            <a:off x="7974333" y="0"/>
+            <a:ext cx="0" cy="6300788"/>
+          </a:xfrm>
+          <a:prstGeom prst="line">
+            <a:avLst/>
+          </a:prstGeom>
+          <a:ln w="25400">
+            <a:solidFill>
+              <a:srgbClr val="FF0000"/>
+            </a:solidFill>
+          </a:ln>
+        </p:spPr>
+        <p:style>
+          <a:lnRef idx="1">
+            <a:schemeClr val="accent1"/>
+          </a:lnRef>
+          <a:fillRef idx="0">
+            <a:schemeClr val="accent1"/>
+          </a:fillRef>
+          <a:effectRef idx="0">
+            <a:schemeClr val="accent1"/>
+          </a:effectRef>
+          <a:fontRef idx="minor">
+            <a:schemeClr val="tx1"/>
+          </a:fontRef>
+        </p:style>
+      </p:cxnSp>
+      <p:cxnSp>
+        <p:nvCxnSpPr>
+          <p:cNvPr id="29" name="Straight Connector 28">
+            <a:extLst>
+              <a:ext uri="{FF2B5EF4-FFF2-40B4-BE49-F238E27FC236}">
+                <a16:creationId xmlns:a16="http://schemas.microsoft.com/office/drawing/2014/main" id="{1E569388-2E39-4547-A8E9-ED16C21F2D62}"/>
+              </a:ext>
+            </a:extLst>
+          </p:cNvPr>
+          <p:cNvCxnSpPr>
+            <a:cxnSpLocks/>
+          </p:cNvCxnSpPr>
+          <p:nvPr/>
+        </p:nvCxnSpPr>
+        <p:spPr>
+          <a:xfrm>
+            <a:off x="8055292" y="0"/>
+            <a:ext cx="0" cy="6300788"/>
+          </a:xfrm>
+          <a:prstGeom prst="line">
+            <a:avLst/>
+          </a:prstGeom>
+          <a:ln w="25400">
+            <a:solidFill>
+              <a:srgbClr val="00B050"/>
+            </a:solidFill>
+          </a:ln>
+        </p:spPr>
+        <p:style>
+          <a:lnRef idx="1">
+            <a:schemeClr val="accent1"/>
+          </a:lnRef>
+          <a:fillRef idx="0">
+            <a:schemeClr val="accent1"/>
+          </a:fillRef>
+          <a:effectRef idx="0">
+            <a:schemeClr val="accent1"/>
+          </a:effectRef>
+          <a:fontRef idx="minor">
+            <a:schemeClr val="tx1"/>
+          </a:fontRef>
+        </p:style>
+      </p:cxnSp>
+      <p:cxnSp>
+        <p:nvCxnSpPr>
+          <p:cNvPr id="30" name="Straight Connector 29">
+            <a:extLst>
+              <a:ext uri="{FF2B5EF4-FFF2-40B4-BE49-F238E27FC236}">
+                <a16:creationId xmlns:a16="http://schemas.microsoft.com/office/drawing/2014/main" id="{117EBB5D-182A-9547-9463-4339A9CA0668}"/>
+              </a:ext>
+            </a:extLst>
+          </p:cNvPr>
+          <p:cNvCxnSpPr>
+            <a:cxnSpLocks/>
+          </p:cNvCxnSpPr>
+          <p:nvPr/>
+        </p:nvCxnSpPr>
+        <p:spPr>
+          <a:xfrm>
+            <a:off x="12093899" y="14288"/>
+            <a:ext cx="0" cy="6300788"/>
+          </a:xfrm>
+          <a:prstGeom prst="line">
+            <a:avLst/>
+          </a:prstGeom>
+          <a:ln w="25400">
+            <a:solidFill>
+              <a:srgbClr val="00B050"/>
+            </a:solidFill>
+          </a:ln>
+        </p:spPr>
+        <p:style>
+          <a:lnRef idx="1">
+            <a:schemeClr val="accent1"/>
+          </a:lnRef>
+          <a:fillRef idx="0">
+            <a:schemeClr val="accent1"/>
+          </a:fillRef>
+          <a:effectRef idx="0">
+            <a:schemeClr val="accent1"/>
+          </a:effectRef>
+          <a:fontRef idx="minor">
+            <a:schemeClr val="tx1"/>
+          </a:fontRef>
+        </p:style>
+      </p:cxnSp>
+      <p:cxnSp>
+        <p:nvCxnSpPr>
+          <p:cNvPr id="18" name="Straight Connector 17">
+            <a:extLst>
+              <a:ext uri="{FF2B5EF4-FFF2-40B4-BE49-F238E27FC236}">
+                <a16:creationId xmlns:a16="http://schemas.microsoft.com/office/drawing/2014/main" id="{FA0B9E01-6EBC-A743-8BF6-5BD64D58800A}"/>
+              </a:ext>
+            </a:extLst>
+          </p:cNvPr>
+          <p:cNvCxnSpPr>
+            <a:cxnSpLocks/>
+          </p:cNvCxnSpPr>
+          <p:nvPr/>
+        </p:nvCxnSpPr>
+        <p:spPr>
+          <a:xfrm>
+            <a:off x="3935730" y="0"/>
+            <a:ext cx="0" cy="6300788"/>
+          </a:xfrm>
+          <a:prstGeom prst="line">
+            <a:avLst/>
+          </a:prstGeom>
+          <a:ln w="25400">
+            <a:solidFill>
+              <a:srgbClr val="00B0F0"/>
+            </a:solidFill>
+          </a:ln>
+        </p:spPr>
+        <p:style>
+          <a:lnRef idx="1">
+            <a:schemeClr val="accent1"/>
+          </a:lnRef>
+          <a:fillRef idx="0">
+            <a:schemeClr val="accent1"/>
+          </a:fillRef>
+          <a:effectRef idx="0">
+            <a:schemeClr val="accent1"/>
+          </a:effectRef>
+          <a:fontRef idx="minor">
+            <a:schemeClr val="tx1"/>
+          </a:fontRef>
+        </p:style>
+      </p:cxnSp>
+      <p:pic>
+        <p:nvPicPr>
+          <p:cNvPr id="4" name="Picture 3">
+            <a:extLst>
+              <a:ext uri="{FF2B5EF4-FFF2-40B4-BE49-F238E27FC236}">
+                <a16:creationId xmlns:a16="http://schemas.microsoft.com/office/drawing/2014/main" id="{41D641B9-0E06-8546-9AFF-1B7C209B9DB4}"/>
+              </a:ext>
+            </a:extLst>
+          </p:cNvPr>
+          <p:cNvPicPr>
+            <a:picLocks noChangeAspect="1"/>
+          </p:cNvPicPr>
+          <p:nvPr/>
+        </p:nvPicPr>
+        <p:blipFill>
+          <a:blip r:embed="rId2"/>
+          <a:stretch>
+            <a:fillRect/>
+          </a:stretch>
+        </p:blipFill>
+        <p:spPr>
+          <a:xfrm rot="5400000">
+            <a:off x="591376" y="1309601"/>
+            <a:ext cx="2752979" cy="3816477"/>
+          </a:xfrm>
+          <a:prstGeom prst="rect">
+            <a:avLst/>
+          </a:prstGeom>
+        </p:spPr>
+      </p:pic>
+      <p:pic>
+        <p:nvPicPr>
+          <p:cNvPr id="14" name="Picture 13">
+            <a:extLst>
+              <a:ext uri="{FF2B5EF4-FFF2-40B4-BE49-F238E27FC236}">
+                <a16:creationId xmlns:a16="http://schemas.microsoft.com/office/drawing/2014/main" id="{694EDAE4-6433-0B4D-8296-45649F937440}"/>
+              </a:ext>
+            </a:extLst>
+          </p:cNvPr>
+          <p:cNvPicPr>
+            <a:picLocks noChangeAspect="1"/>
+          </p:cNvPicPr>
+          <p:nvPr/>
+        </p:nvPicPr>
+        <p:blipFill>
+          <a:blip r:embed="rId3"/>
+          <a:stretch>
+            <a:fillRect/>
+          </a:stretch>
+        </p:blipFill>
+        <p:spPr>
+          <a:xfrm rot="5400000">
+            <a:off x="4545206" y="1309601"/>
+            <a:ext cx="2752979" cy="3816477"/>
+          </a:xfrm>
+          <a:prstGeom prst="rect">
+            <a:avLst/>
+          </a:prstGeom>
+        </p:spPr>
+      </p:pic>
+      <p:pic>
+        <p:nvPicPr>
+          <p:cNvPr id="19" name="Picture 18">
+            <a:extLst>
+              <a:ext uri="{FF2B5EF4-FFF2-40B4-BE49-F238E27FC236}">
+                <a16:creationId xmlns:a16="http://schemas.microsoft.com/office/drawing/2014/main" id="{896A1FD9-84B5-3645-B0FD-A1B89485BC77}"/>
+              </a:ext>
+            </a:extLst>
+          </p:cNvPr>
+          <p:cNvPicPr>
+            <a:picLocks noChangeAspect="1"/>
+          </p:cNvPicPr>
+          <p:nvPr/>
+        </p:nvPicPr>
+        <p:blipFill>
+          <a:blip r:embed="rId4"/>
+          <a:stretch>
+            <a:fillRect/>
+          </a:stretch>
+        </p:blipFill>
+        <p:spPr>
+          <a:xfrm rot="5400000">
+            <a:off x="8708605" y="1309601"/>
+            <a:ext cx="2752979" cy="3816477"/>
+          </a:xfrm>
+          <a:prstGeom prst="rect">
+            <a:avLst/>
+          </a:prstGeom>
+        </p:spPr>
+      </p:pic>
+    </p:spTree>
+    <p:extLst>
+      <p:ext uri="{BB962C8B-B14F-4D97-AF65-F5344CB8AC3E}">
+        <p14:creationId xmlns:p14="http://schemas.microsoft.com/office/powerpoint/2010/main" val="2059649603"/>
       </p:ext>
     </p:extLst>
   </p:cSld>
